--- a/slides/31.deep_learning.pptx
+++ b/slides/31.deep_learning.pptx
@@ -5,7 +5,7 @@
     <p:sldMasterId id="2147483648" r:id="rId1"/>
   </p:sldMasterIdLst>
   <p:notesMasterIdLst>
-    <p:notesMasterId r:id="rId14"/>
+    <p:notesMasterId r:id="rId11"/>
   </p:notesMasterIdLst>
   <p:sldIdLst>
     <p:sldId id="256" r:id="rId2"/>
@@ -17,9 +17,6 @@
     <p:sldId id="263" r:id="rId8"/>
     <p:sldId id="264" r:id="rId9"/>
     <p:sldId id="265" r:id="rId10"/>
-    <p:sldId id="274" r:id="rId11"/>
-    <p:sldId id="271" r:id="rId12"/>
-    <p:sldId id="272" r:id="rId13"/>
   </p:sldIdLst>
   <p:sldSz cx="9144000" cy="6858000" type="screen4x3"/>
   <p:notesSz cx="6858000" cy="9144000"/>
@@ -203,7 +200,7 @@
           <a:p>
             <a:fld id="{D7FB5286-DC33-4785-B909-08848D41CE7F}" type="datetimeFigureOut">
               <a:rPr lang="en-MY" smtClean="0"/>
-              <a:t>29/08/2019</a:t>
+              <a:t>06/09/2019</a:t>
             </a:fld>
             <a:endParaRPr lang="en-MY"/>
           </a:p>
@@ -653,7 +650,7 @@
             <a:fld id="{1D8BD707-D9CF-40AE-B4C6-C98DA3205C09}" type="datetimeFigureOut">
               <a:rPr lang="en-US" smtClean="0"/>
               <a:pPr/>
-              <a:t>8/29/2019</a:t>
+              <a:t>9/6/2019</a:t>
             </a:fld>
             <a:endParaRPr lang="en-US"/>
           </a:p>
@@ -820,7 +817,7 @@
             <a:fld id="{1D8BD707-D9CF-40AE-B4C6-C98DA3205C09}" type="datetimeFigureOut">
               <a:rPr lang="en-US" smtClean="0"/>
               <a:pPr/>
-              <a:t>8/29/2019</a:t>
+              <a:t>9/6/2019</a:t>
             </a:fld>
             <a:endParaRPr lang="en-US"/>
           </a:p>
@@ -997,7 +994,7 @@
             <a:fld id="{1D8BD707-D9CF-40AE-B4C6-C98DA3205C09}" type="datetimeFigureOut">
               <a:rPr lang="en-US" smtClean="0"/>
               <a:pPr/>
-              <a:t>8/29/2019</a:t>
+              <a:t>9/6/2019</a:t>
             </a:fld>
             <a:endParaRPr lang="en-US"/>
           </a:p>
@@ -1164,7 +1161,7 @@
             <a:fld id="{1D8BD707-D9CF-40AE-B4C6-C98DA3205C09}" type="datetimeFigureOut">
               <a:rPr lang="en-US" smtClean="0"/>
               <a:pPr/>
-              <a:t>8/29/2019</a:t>
+              <a:t>9/6/2019</a:t>
             </a:fld>
             <a:endParaRPr lang="en-US"/>
           </a:p>
@@ -1407,7 +1404,7 @@
             <a:fld id="{1D8BD707-D9CF-40AE-B4C6-C98DA3205C09}" type="datetimeFigureOut">
               <a:rPr lang="en-US" smtClean="0"/>
               <a:pPr/>
-              <a:t>8/29/2019</a:t>
+              <a:t>9/6/2019</a:t>
             </a:fld>
             <a:endParaRPr lang="en-US"/>
           </a:p>
@@ -1692,7 +1689,7 @@
             <a:fld id="{1D8BD707-D9CF-40AE-B4C6-C98DA3205C09}" type="datetimeFigureOut">
               <a:rPr lang="en-US" smtClean="0"/>
               <a:pPr/>
-              <a:t>8/29/2019</a:t>
+              <a:t>9/6/2019</a:t>
             </a:fld>
             <a:endParaRPr lang="en-US"/>
           </a:p>
@@ -2111,7 +2108,7 @@
             <a:fld id="{1D8BD707-D9CF-40AE-B4C6-C98DA3205C09}" type="datetimeFigureOut">
               <a:rPr lang="en-US" smtClean="0"/>
               <a:pPr/>
-              <a:t>8/29/2019</a:t>
+              <a:t>9/6/2019</a:t>
             </a:fld>
             <a:endParaRPr lang="en-US"/>
           </a:p>
@@ -2226,7 +2223,7 @@
             <a:fld id="{1D8BD707-D9CF-40AE-B4C6-C98DA3205C09}" type="datetimeFigureOut">
               <a:rPr lang="en-US" smtClean="0"/>
               <a:pPr/>
-              <a:t>8/29/2019</a:t>
+              <a:t>9/6/2019</a:t>
             </a:fld>
             <a:endParaRPr lang="en-US"/>
           </a:p>
@@ -2318,7 +2315,7 @@
             <a:fld id="{1D8BD707-D9CF-40AE-B4C6-C98DA3205C09}" type="datetimeFigureOut">
               <a:rPr lang="en-US" smtClean="0"/>
               <a:pPr/>
-              <a:t>8/29/2019</a:t>
+              <a:t>9/6/2019</a:t>
             </a:fld>
             <a:endParaRPr lang="en-US"/>
           </a:p>
@@ -2592,7 +2589,7 @@
             <a:fld id="{1D8BD707-D9CF-40AE-B4C6-C98DA3205C09}" type="datetimeFigureOut">
               <a:rPr lang="en-US" smtClean="0"/>
               <a:pPr/>
-              <a:t>8/29/2019</a:t>
+              <a:t>9/6/2019</a:t>
             </a:fld>
             <a:endParaRPr lang="en-US"/>
           </a:p>
@@ -2842,7 +2839,7 @@
             <a:fld id="{1D8BD707-D9CF-40AE-B4C6-C98DA3205C09}" type="datetimeFigureOut">
               <a:rPr lang="en-US" smtClean="0"/>
               <a:pPr/>
-              <a:t>8/29/2019</a:t>
+              <a:t>9/6/2019</a:t>
             </a:fld>
             <a:endParaRPr lang="en-US"/>
           </a:p>
@@ -3052,7 +3049,7 @@
             <a:fld id="{1D8BD707-D9CF-40AE-B4C6-C98DA3205C09}" type="datetimeFigureOut">
               <a:rPr lang="en-US" smtClean="0"/>
               <a:pPr/>
-              <a:t>8/29/2019</a:t>
+              <a:t>9/6/2019</a:t>
             </a:fld>
             <a:endParaRPr lang="en-US"/>
           </a:p>
@@ -3478,2673 +3475,6 @@
 </p:sld>
 </file>
 
-<file path=ppt/slides/slide10.xml><?xml version="1.0" encoding="utf-8"?>
-<p:sld xmlns:a="http://schemas.openxmlformats.org/drawingml/2006/main" xmlns:r="http://schemas.openxmlformats.org/officeDocument/2006/relationships" xmlns:p="http://schemas.openxmlformats.org/presentationml/2006/main">
-  <p:cSld>
-    <p:spTree>
-      <p:nvGrpSpPr>
-        <p:cNvPr id="1" name=""/>
-        <p:cNvGrpSpPr/>
-        <p:nvPr/>
-      </p:nvGrpSpPr>
-      <p:grpSpPr>
-        <a:xfrm>
-          <a:off x="0" y="0"/>
-          <a:ext cx="0" cy="0"/>
-          <a:chOff x="0" y="0"/>
-          <a:chExt cx="0" cy="0"/>
-        </a:xfrm>
-      </p:grpSpPr>
-      <p:sp>
-        <p:nvSpPr>
-          <p:cNvPr id="2" name="Title 1"/>
-          <p:cNvSpPr>
-            <a:spLocks noGrp="1"/>
-          </p:cNvSpPr>
-          <p:nvPr>
-            <p:ph type="title"/>
-          </p:nvPr>
-        </p:nvSpPr>
-        <p:spPr/>
-        <p:txBody>
-          <a:bodyPr/>
-          <a:lstStyle/>
-          <a:p>
-            <a:r>
-              <a:rPr lang="en-US" dirty="0" smtClean="0"/>
-              <a:t>What we going to do today</a:t>
-            </a:r>
-            <a:endParaRPr lang="en-MY" dirty="0"/>
-          </a:p>
-        </p:txBody>
-      </p:sp>
-      <p:sp>
-        <p:nvSpPr>
-          <p:cNvPr id="3" name="Content Placeholder 2"/>
-          <p:cNvSpPr>
-            <a:spLocks noGrp="1"/>
-          </p:cNvSpPr>
-          <p:nvPr>
-            <p:ph idx="1"/>
-          </p:nvPr>
-        </p:nvSpPr>
-        <p:spPr/>
-        <p:txBody>
-          <a:bodyPr/>
-          <a:lstStyle/>
-          <a:p>
-            <a:endParaRPr lang="en-MY" dirty="0"/>
-          </a:p>
-        </p:txBody>
-      </p:sp>
-      <p:pic>
-        <p:nvPicPr>
-          <p:cNvPr id="1026" name="Picture 2"/>
-          <p:cNvPicPr>
-            <a:picLocks noChangeAspect="1" noChangeArrowheads="1"/>
-          </p:cNvPicPr>
-          <p:nvPr/>
-        </p:nvPicPr>
-        <p:blipFill>
-          <a:blip r:embed="rId2">
-            <a:extLst>
-              <a:ext uri="{28A0092B-C50C-407E-A947-70E740481C1C}">
-                <a14:useLocalDpi xmlns:a14="http://schemas.microsoft.com/office/drawing/2010/main" val="0"/>
-              </a:ext>
-            </a:extLst>
-          </a:blip>
-          <a:srcRect/>
-          <a:stretch>
-            <a:fillRect/>
-          </a:stretch>
-        </p:blipFill>
-        <p:spPr bwMode="auto">
-          <a:xfrm>
-            <a:off x="533400" y="1552575"/>
-            <a:ext cx="8077200" cy="4543425"/>
-          </a:xfrm>
-          <a:prstGeom prst="rect">
-            <a:avLst/>
-          </a:prstGeom>
-          <a:noFill/>
-          <a:ln>
-            <a:noFill/>
-          </a:ln>
-          <a:extLst>
-            <a:ext uri="{909E8E84-426E-40DD-AFC4-6F175D3DCCD1}">
-              <a14:hiddenFill xmlns:a14="http://schemas.microsoft.com/office/drawing/2010/main">
-                <a:solidFill>
-                  <a:schemeClr val="accent1"/>
-                </a:solidFill>
-              </a14:hiddenFill>
-            </a:ext>
-            <a:ext uri="{91240B29-F687-4F45-9708-019B960494DF}">
-              <a14:hiddenLine xmlns:a14="http://schemas.microsoft.com/office/drawing/2010/main" w="9525">
-                <a:solidFill>
-                  <a:schemeClr val="tx1"/>
-                </a:solidFill>
-                <a:miter lim="800000"/>
-                <a:headEnd/>
-                <a:tailEnd/>
-              </a14:hiddenLine>
-            </a:ext>
-          </a:extLst>
-        </p:spPr>
-      </p:pic>
-    </p:spTree>
-    <p:extLst>
-      <p:ext uri="{BB962C8B-B14F-4D97-AF65-F5344CB8AC3E}">
-        <p14:creationId xmlns:p14="http://schemas.microsoft.com/office/powerpoint/2010/main" val="2275014149"/>
-      </p:ext>
-    </p:extLst>
-  </p:cSld>
-  <p:clrMapOvr>
-    <a:masterClrMapping/>
-  </p:clrMapOvr>
-</p:sld>
-</file>
-
-<file path=ppt/slides/slide11.xml><?xml version="1.0" encoding="utf-8"?>
-<p:sld xmlns:a="http://schemas.openxmlformats.org/drawingml/2006/main" xmlns:r="http://schemas.openxmlformats.org/officeDocument/2006/relationships" xmlns:p="http://schemas.openxmlformats.org/presentationml/2006/main">
-  <p:cSld>
-    <p:spTree>
-      <p:nvGrpSpPr>
-        <p:cNvPr id="1" name=""/>
-        <p:cNvGrpSpPr/>
-        <p:nvPr/>
-      </p:nvGrpSpPr>
-      <p:grpSpPr>
-        <a:xfrm>
-          <a:off x="0" y="0"/>
-          <a:ext cx="0" cy="0"/>
-          <a:chOff x="0" y="0"/>
-          <a:chExt cx="0" cy="0"/>
-        </a:xfrm>
-      </p:grpSpPr>
-      <p:sp>
-        <p:nvSpPr>
-          <p:cNvPr id="2" name="標題 1"/>
-          <p:cNvSpPr>
-            <a:spLocks noGrp="1"/>
-          </p:cNvSpPr>
-          <p:nvPr>
-            <p:ph type="title"/>
-          </p:nvPr>
-        </p:nvSpPr>
-        <p:spPr/>
-        <p:txBody>
-          <a:bodyPr>
-            <a:normAutofit fontScale="90000"/>
-          </a:bodyPr>
-          <a:lstStyle/>
-          <a:p>
-            <a:r>
-              <a:rPr lang="en-US" altLang="zh-TW" dirty="0"/>
-              <a:t>Scenario of Reinforcement Learning</a:t>
-            </a:r>
-            <a:endParaRPr lang="zh-TW" altLang="en-US" dirty="0"/>
-          </a:p>
-        </p:txBody>
-      </p:sp>
-      <p:pic>
-        <p:nvPicPr>
-          <p:cNvPr id="4" name="Picture 2" descr="http://www.is-scam.com/wp-content/uploads/2014/12/question-robot.png"/>
-          <p:cNvPicPr>
-            <a:picLocks noChangeAspect="1" noChangeArrowheads="1"/>
-          </p:cNvPicPr>
-          <p:nvPr/>
-        </p:nvPicPr>
-        <p:blipFill>
-          <a:blip r:embed="rId2">
-            <a:extLst>
-              <a:ext uri="{28A0092B-C50C-407E-A947-70E740481C1C}">
-                <a14:useLocalDpi xmlns:a14="http://schemas.microsoft.com/office/drawing/2010/main" val="0"/>
-              </a:ext>
-            </a:extLst>
-          </a:blip>
-          <a:srcRect/>
-          <a:stretch>
-            <a:fillRect/>
-          </a:stretch>
-        </p:blipFill>
-        <p:spPr bwMode="auto">
-          <a:xfrm>
-            <a:off x="3577788" y="1733729"/>
-            <a:ext cx="1835587" cy="2368695"/>
-          </a:xfrm>
-          <a:prstGeom prst="rect">
-            <a:avLst/>
-          </a:prstGeom>
-          <a:noFill/>
-          <a:extLst>
-            <a:ext uri="{909E8E84-426E-40DD-AFC4-6F175D3DCCD1}">
-              <a14:hiddenFill xmlns:a14="http://schemas.microsoft.com/office/drawing/2010/main">
-                <a:solidFill>
-                  <a:srgbClr val="FFFFFF"/>
-                </a:solidFill>
-              </a14:hiddenFill>
-            </a:ext>
-          </a:extLst>
-        </p:spPr>
-      </p:pic>
-      <p:sp>
-        <p:nvSpPr>
-          <p:cNvPr id="5" name="文字方塊 4"/>
-          <p:cNvSpPr txBox="1"/>
-          <p:nvPr/>
-        </p:nvSpPr>
-        <p:spPr>
-          <a:xfrm>
-            <a:off x="3014297" y="3237123"/>
-            <a:ext cx="1088572" cy="461665"/>
-          </a:xfrm>
-          <a:prstGeom prst="rect">
-            <a:avLst/>
-          </a:prstGeom>
-          <a:noFill/>
-        </p:spPr>
-        <p:txBody>
-          <a:bodyPr wrap="square" rtlCol="0">
-            <a:spAutoFit/>
-          </a:bodyPr>
-          <a:lstStyle/>
-          <a:p>
-            <a:r>
-              <a:rPr lang="en-US" altLang="zh-TW" sz="2400" dirty="0"/>
-              <a:t>Agent</a:t>
-            </a:r>
-            <a:endParaRPr lang="zh-TW" altLang="en-US" sz="2400" dirty="0"/>
-          </a:p>
-        </p:txBody>
-      </p:sp>
-      <p:pic>
-        <p:nvPicPr>
-          <p:cNvPr id="123906" name="Picture 2" descr="https://pixabay.com/static/uploads/photo/2013/07/12/13/55/earth-147591_960_720.png"/>
-          <p:cNvPicPr>
-            <a:picLocks noChangeAspect="1" noChangeArrowheads="1"/>
-          </p:cNvPicPr>
-          <p:nvPr/>
-        </p:nvPicPr>
-        <p:blipFill>
-          <a:blip r:embed="rId3" cstate="print">
-            <a:extLst>
-              <a:ext uri="{28A0092B-C50C-407E-A947-70E740481C1C}">
-                <a14:useLocalDpi xmlns:a14="http://schemas.microsoft.com/office/drawing/2010/main" val="0"/>
-              </a:ext>
-            </a:extLst>
-          </a:blip>
-          <a:srcRect/>
-          <a:stretch>
-            <a:fillRect/>
-          </a:stretch>
-        </p:blipFill>
-        <p:spPr bwMode="auto">
-          <a:xfrm>
-            <a:off x="4034473" y="5377857"/>
-            <a:ext cx="1172306" cy="1172306"/>
-          </a:xfrm>
-          <a:prstGeom prst="rect">
-            <a:avLst/>
-          </a:prstGeom>
-          <a:noFill/>
-          <a:extLst>
-            <a:ext uri="{909E8E84-426E-40DD-AFC4-6F175D3DCCD1}">
-              <a14:hiddenFill xmlns:a14="http://schemas.microsoft.com/office/drawing/2010/main">
-                <a:solidFill>
-                  <a:srgbClr val="FFFFFF"/>
-                </a:solidFill>
-              </a14:hiddenFill>
-            </a:ext>
-          </a:extLst>
-        </p:spPr>
-      </p:pic>
-      <p:sp>
-        <p:nvSpPr>
-          <p:cNvPr id="7" name="文字方塊 6"/>
-          <p:cNvSpPr txBox="1"/>
-          <p:nvPr/>
-        </p:nvSpPr>
-        <p:spPr>
-          <a:xfrm>
-            <a:off x="5147828" y="6028080"/>
-            <a:ext cx="2042674" cy="461665"/>
-          </a:xfrm>
-          <a:prstGeom prst="rect">
-            <a:avLst/>
-          </a:prstGeom>
-          <a:noFill/>
-        </p:spPr>
-        <p:txBody>
-          <a:bodyPr wrap="square" rtlCol="0">
-            <a:spAutoFit/>
-          </a:bodyPr>
-          <a:lstStyle/>
-          <a:p>
-            <a:r>
-              <a:rPr lang="en-US" altLang="zh-TW" sz="2400" dirty="0"/>
-              <a:t>Environment</a:t>
-            </a:r>
-            <a:endParaRPr lang="zh-TW" altLang="en-US" sz="2400" dirty="0"/>
-          </a:p>
-        </p:txBody>
-      </p:sp>
-      <p:cxnSp>
-        <p:nvCxnSpPr>
-          <p:cNvPr id="8" name="直線接點 7"/>
-          <p:cNvCxnSpPr/>
-          <p:nvPr/>
-        </p:nvCxnSpPr>
-        <p:spPr>
-          <a:xfrm>
-            <a:off x="2171700" y="2443512"/>
-            <a:ext cx="0" cy="3287402"/>
-          </a:xfrm>
-          <a:prstGeom prst="line">
-            <a:avLst/>
-          </a:prstGeom>
-          <a:ln w="38100">
-            <a:solidFill>
-              <a:srgbClr val="FF0000"/>
-            </a:solidFill>
-          </a:ln>
-        </p:spPr>
-        <p:style>
-          <a:lnRef idx="1">
-            <a:schemeClr val="accent1"/>
-          </a:lnRef>
-          <a:fillRef idx="0">
-            <a:schemeClr val="accent1"/>
-          </a:fillRef>
-          <a:effectRef idx="0">
-            <a:schemeClr val="accent1"/>
-          </a:effectRef>
-          <a:fontRef idx="minor">
-            <a:schemeClr val="tx1"/>
-          </a:fontRef>
-        </p:style>
-      </p:cxnSp>
-      <p:cxnSp>
-        <p:nvCxnSpPr>
-          <p:cNvPr id="10" name="直線接點 9"/>
-          <p:cNvCxnSpPr/>
-          <p:nvPr/>
-        </p:nvCxnSpPr>
-        <p:spPr>
-          <a:xfrm flipH="1">
-            <a:off x="2171701" y="5730915"/>
-            <a:ext cx="1685193" cy="0"/>
-          </a:xfrm>
-          <a:prstGeom prst="line">
-            <a:avLst/>
-          </a:prstGeom>
-          <a:ln w="38100">
-            <a:solidFill>
-              <a:srgbClr val="FF0000"/>
-            </a:solidFill>
-          </a:ln>
-        </p:spPr>
-        <p:style>
-          <a:lnRef idx="1">
-            <a:schemeClr val="accent1"/>
-          </a:lnRef>
-          <a:fillRef idx="0">
-            <a:schemeClr val="accent1"/>
-          </a:fillRef>
-          <a:effectRef idx="0">
-            <a:schemeClr val="accent1"/>
-          </a:effectRef>
-          <a:fontRef idx="minor">
-            <a:schemeClr val="tx1"/>
-          </a:fontRef>
-        </p:style>
-      </p:cxnSp>
-      <p:cxnSp>
-        <p:nvCxnSpPr>
-          <p:cNvPr id="12" name="直線接點 11"/>
-          <p:cNvCxnSpPr/>
-          <p:nvPr/>
-        </p:nvCxnSpPr>
-        <p:spPr>
-          <a:xfrm>
-            <a:off x="2171702" y="2443512"/>
-            <a:ext cx="1685192" cy="0"/>
-          </a:xfrm>
-          <a:prstGeom prst="line">
-            <a:avLst/>
-          </a:prstGeom>
-          <a:ln w="38100">
-            <a:solidFill>
-              <a:srgbClr val="FF0000"/>
-            </a:solidFill>
-            <a:headEnd type="none" w="med" len="med"/>
-            <a:tailEnd type="triangle" w="med" len="med"/>
-          </a:ln>
-        </p:spPr>
-        <p:style>
-          <a:lnRef idx="1">
-            <a:schemeClr val="accent1"/>
-          </a:lnRef>
-          <a:fillRef idx="0">
-            <a:schemeClr val="accent1"/>
-          </a:fillRef>
-          <a:effectRef idx="0">
-            <a:schemeClr val="accent1"/>
-          </a:effectRef>
-          <a:fontRef idx="minor">
-            <a:schemeClr val="tx1"/>
-          </a:fontRef>
-        </p:style>
-      </p:cxnSp>
-      <p:cxnSp>
-        <p:nvCxnSpPr>
-          <p:cNvPr id="14" name="直線接點 13"/>
-          <p:cNvCxnSpPr/>
-          <p:nvPr/>
-        </p:nvCxnSpPr>
-        <p:spPr>
-          <a:xfrm flipV="1">
-            <a:off x="4579805" y="4245693"/>
-            <a:ext cx="0" cy="988895"/>
-          </a:xfrm>
-          <a:prstGeom prst="line">
-            <a:avLst/>
-          </a:prstGeom>
-          <a:ln w="38100">
-            <a:solidFill>
-              <a:srgbClr val="FF0000"/>
-            </a:solidFill>
-            <a:headEnd type="none" w="med" len="med"/>
-            <a:tailEnd type="triangle" w="med" len="med"/>
-          </a:ln>
-        </p:spPr>
-        <p:style>
-          <a:lnRef idx="1">
-            <a:schemeClr val="accent1"/>
-          </a:lnRef>
-          <a:fillRef idx="0">
-            <a:schemeClr val="accent1"/>
-          </a:fillRef>
-          <a:effectRef idx="0">
-            <a:schemeClr val="accent1"/>
-          </a:effectRef>
-          <a:fontRef idx="minor">
-            <a:schemeClr val="tx1"/>
-          </a:fontRef>
-        </p:style>
-      </p:cxnSp>
-      <p:sp>
-        <p:nvSpPr>
-          <p:cNvPr id="18" name="文字方塊 17"/>
-          <p:cNvSpPr txBox="1"/>
-          <p:nvPr/>
-        </p:nvSpPr>
-        <p:spPr>
-          <a:xfrm>
-            <a:off x="2040479" y="2016700"/>
-            <a:ext cx="1947636" cy="461665"/>
-          </a:xfrm>
-          <a:prstGeom prst="rect">
-            <a:avLst/>
-          </a:prstGeom>
-          <a:noFill/>
-        </p:spPr>
-        <p:txBody>
-          <a:bodyPr wrap="square" rtlCol="0">
-            <a:spAutoFit/>
-          </a:bodyPr>
-          <a:lstStyle/>
-          <a:p>
-            <a:pPr algn="ctr"/>
-            <a:r>
-              <a:rPr lang="en-US" altLang="zh-TW" sz="2400" dirty="0"/>
-              <a:t>Observation</a:t>
-            </a:r>
-            <a:endParaRPr lang="zh-TW" altLang="en-US" sz="2400" dirty="0"/>
-          </a:p>
-        </p:txBody>
-      </p:sp>
-      <p:pic>
-        <p:nvPicPr>
-          <p:cNvPr id="123908" name="Picture 4" descr="http://pics.sc.chinaz.com/files/pic/pic9/201512/apic17222.jpg"/>
-          <p:cNvPicPr>
-            <a:picLocks noChangeAspect="1" noChangeArrowheads="1"/>
-          </p:cNvPicPr>
-          <p:nvPr/>
-        </p:nvPicPr>
-        <p:blipFill>
-          <a:blip r:embed="rId4" cstate="print">
-            <a:extLst>
-              <a:ext uri="{28A0092B-C50C-407E-A947-70E740481C1C}">
-                <a14:useLocalDpi xmlns:a14="http://schemas.microsoft.com/office/drawing/2010/main" val="0"/>
-              </a:ext>
-            </a:extLst>
-          </a:blip>
-          <a:srcRect/>
-          <a:stretch>
-            <a:fillRect/>
-          </a:stretch>
-        </p:blipFill>
-        <p:spPr bwMode="auto">
-          <a:xfrm flipH="1">
-            <a:off x="1140178" y="3508542"/>
-            <a:ext cx="926785" cy="1474301"/>
-          </a:xfrm>
-          <a:prstGeom prst="rect">
-            <a:avLst/>
-          </a:prstGeom>
-          <a:noFill/>
-          <a:extLst>
-            <a:ext uri="{909E8E84-426E-40DD-AFC4-6F175D3DCCD1}">
-              <a14:hiddenFill xmlns:a14="http://schemas.microsoft.com/office/drawing/2010/main">
-                <a:solidFill>
-                  <a:srgbClr val="FFFFFF"/>
-                </a:solidFill>
-              </a14:hiddenFill>
-            </a:ext>
-          </a:extLst>
-        </p:spPr>
-      </p:pic>
-      <p:cxnSp>
-        <p:nvCxnSpPr>
-          <p:cNvPr id="20" name="直線接點 19"/>
-          <p:cNvCxnSpPr/>
-          <p:nvPr/>
-        </p:nvCxnSpPr>
-        <p:spPr>
-          <a:xfrm>
-            <a:off x="5446359" y="2443512"/>
-            <a:ext cx="1685192" cy="0"/>
-          </a:xfrm>
-          <a:prstGeom prst="line">
-            <a:avLst/>
-          </a:prstGeom>
-          <a:ln w="38100">
-            <a:solidFill>
-              <a:srgbClr val="FF0000"/>
-            </a:solidFill>
-            <a:headEnd type="none" w="med" len="med"/>
-            <a:tailEnd type="none" w="med" len="med"/>
-          </a:ln>
-        </p:spPr>
-        <p:style>
-          <a:lnRef idx="1">
-            <a:schemeClr val="accent1"/>
-          </a:lnRef>
-          <a:fillRef idx="0">
-            <a:schemeClr val="accent1"/>
-          </a:fillRef>
-          <a:effectRef idx="0">
-            <a:schemeClr val="accent1"/>
-          </a:effectRef>
-          <a:fontRef idx="minor">
-            <a:schemeClr val="tx1"/>
-          </a:fontRef>
-        </p:style>
-      </p:cxnSp>
-      <p:sp>
-        <p:nvSpPr>
-          <p:cNvPr id="21" name="文字方塊 20"/>
-          <p:cNvSpPr txBox="1"/>
-          <p:nvPr/>
-        </p:nvSpPr>
-        <p:spPr>
-          <a:xfrm>
-            <a:off x="5484517" y="2002728"/>
-            <a:ext cx="1334944" cy="461665"/>
-          </a:xfrm>
-          <a:prstGeom prst="rect">
-            <a:avLst/>
-          </a:prstGeom>
-          <a:noFill/>
-        </p:spPr>
-        <p:txBody>
-          <a:bodyPr wrap="square" rtlCol="0">
-            <a:spAutoFit/>
-          </a:bodyPr>
-          <a:lstStyle/>
-          <a:p>
-            <a:pPr algn="ctr"/>
-            <a:r>
-              <a:rPr lang="en-US" altLang="zh-TW" sz="2400" dirty="0"/>
-              <a:t>Action</a:t>
-            </a:r>
-            <a:endParaRPr lang="zh-TW" altLang="en-US" sz="2400" dirty="0"/>
-          </a:p>
-        </p:txBody>
-      </p:sp>
-      <p:cxnSp>
-        <p:nvCxnSpPr>
-          <p:cNvPr id="22" name="直線接點 21"/>
-          <p:cNvCxnSpPr/>
-          <p:nvPr/>
-        </p:nvCxnSpPr>
-        <p:spPr>
-          <a:xfrm>
-            <a:off x="7131551" y="2440166"/>
-            <a:ext cx="0" cy="3287402"/>
-          </a:xfrm>
-          <a:prstGeom prst="line">
-            <a:avLst/>
-          </a:prstGeom>
-          <a:ln w="38100">
-            <a:solidFill>
-              <a:srgbClr val="FF0000"/>
-            </a:solidFill>
-          </a:ln>
-        </p:spPr>
-        <p:style>
-          <a:lnRef idx="1">
-            <a:schemeClr val="accent1"/>
-          </a:lnRef>
-          <a:fillRef idx="0">
-            <a:schemeClr val="accent1"/>
-          </a:fillRef>
-          <a:effectRef idx="0">
-            <a:schemeClr val="accent1"/>
-          </a:effectRef>
-          <a:fontRef idx="minor">
-            <a:schemeClr val="tx1"/>
-          </a:fontRef>
-        </p:style>
-      </p:cxnSp>
-      <p:cxnSp>
-        <p:nvCxnSpPr>
-          <p:cNvPr id="23" name="直線接點 22"/>
-          <p:cNvCxnSpPr/>
-          <p:nvPr/>
-        </p:nvCxnSpPr>
-        <p:spPr>
-          <a:xfrm flipH="1">
-            <a:off x="5413375" y="5727568"/>
-            <a:ext cx="1685193" cy="0"/>
-          </a:xfrm>
-          <a:prstGeom prst="line">
-            <a:avLst/>
-          </a:prstGeom>
-          <a:ln w="38100">
-            <a:solidFill>
-              <a:srgbClr val="FF0000"/>
-            </a:solidFill>
-            <a:headEnd type="none" w="med" len="med"/>
-            <a:tailEnd type="triangle" w="med" len="med"/>
-          </a:ln>
-        </p:spPr>
-        <p:style>
-          <a:lnRef idx="1">
-            <a:schemeClr val="accent1"/>
-          </a:lnRef>
-          <a:fillRef idx="0">
-            <a:schemeClr val="accent1"/>
-          </a:fillRef>
-          <a:effectRef idx="0">
-            <a:schemeClr val="accent1"/>
-          </a:effectRef>
-          <a:fontRef idx="minor">
-            <a:schemeClr val="tx1"/>
-          </a:fontRef>
-        </p:style>
-      </p:cxnSp>
-      <p:sp>
-        <p:nvSpPr>
-          <p:cNvPr id="24" name="文字方塊 23"/>
-          <p:cNvSpPr txBox="1"/>
-          <p:nvPr/>
-        </p:nvSpPr>
-        <p:spPr>
-          <a:xfrm>
-            <a:off x="4653983" y="4591080"/>
-            <a:ext cx="1324105" cy="461665"/>
-          </a:xfrm>
-          <a:prstGeom prst="rect">
-            <a:avLst/>
-          </a:prstGeom>
-          <a:noFill/>
-        </p:spPr>
-        <p:txBody>
-          <a:bodyPr wrap="square" rtlCol="0">
-            <a:spAutoFit/>
-          </a:bodyPr>
-          <a:lstStyle/>
-          <a:p>
-            <a:r>
-              <a:rPr lang="en-US" altLang="zh-TW" sz="2400" dirty="0"/>
-              <a:t>Reward</a:t>
-            </a:r>
-            <a:endParaRPr lang="zh-TW" altLang="en-US" sz="2400" dirty="0"/>
-          </a:p>
-        </p:txBody>
-      </p:sp>
-      <p:pic>
-        <p:nvPicPr>
-          <p:cNvPr id="123910" name="Picture 6" descr="http://static.flickr.com/6101/6305382526_f4c4c0c613.jpg"/>
-          <p:cNvPicPr>
-            <a:picLocks noChangeAspect="1" noChangeArrowheads="1"/>
-          </p:cNvPicPr>
-          <p:nvPr/>
-        </p:nvPicPr>
-        <p:blipFill>
-          <a:blip r:embed="rId5" cstate="print">
-            <a:extLst>
-              <a:ext uri="{28A0092B-C50C-407E-A947-70E740481C1C}">
-                <a14:useLocalDpi xmlns:a14="http://schemas.microsoft.com/office/drawing/2010/main" val="0"/>
-              </a:ext>
-            </a:extLst>
-          </a:blip>
-          <a:srcRect/>
-          <a:stretch>
-            <a:fillRect/>
-          </a:stretch>
-        </p:blipFill>
-        <p:spPr bwMode="auto">
-          <a:xfrm>
-            <a:off x="6605342" y="3711512"/>
-            <a:ext cx="1916776" cy="1271331"/>
-          </a:xfrm>
-          <a:prstGeom prst="rect">
-            <a:avLst/>
-          </a:prstGeom>
-          <a:noFill/>
-          <a:extLst>
-            <a:ext uri="{909E8E84-426E-40DD-AFC4-6F175D3DCCD1}">
-              <a14:hiddenFill xmlns:a14="http://schemas.microsoft.com/office/drawing/2010/main">
-                <a:solidFill>
-                  <a:srgbClr val="FFFFFF"/>
-                </a:solidFill>
-              </a14:hiddenFill>
-            </a:ext>
-          </a:extLst>
-        </p:spPr>
-      </p:pic>
-      <p:sp>
-        <p:nvSpPr>
-          <p:cNvPr id="17" name="圓角矩形圖說文字 16"/>
-          <p:cNvSpPr/>
-          <p:nvPr/>
-        </p:nvSpPr>
-        <p:spPr>
-          <a:xfrm>
-            <a:off x="2685143" y="4533421"/>
-            <a:ext cx="1810438" cy="786777"/>
-          </a:xfrm>
-          <a:prstGeom prst="wedgeRoundRectCallout">
-            <a:avLst>
-              <a:gd name="adj1" fmla="val 54527"/>
-              <a:gd name="adj2" fmla="val 117843"/>
-              <a:gd name="adj3" fmla="val 16667"/>
-            </a:avLst>
-          </a:prstGeom>
-        </p:spPr>
-        <p:style>
-          <a:lnRef idx="2">
-            <a:schemeClr val="accent5">
-              <a:shade val="50000"/>
-            </a:schemeClr>
-          </a:lnRef>
-          <a:fillRef idx="1">
-            <a:schemeClr val="accent5"/>
-          </a:fillRef>
-          <a:effectRef idx="0">
-            <a:schemeClr val="accent5"/>
-          </a:effectRef>
-          <a:fontRef idx="minor">
-            <a:schemeClr val="lt1"/>
-          </a:fontRef>
-        </p:style>
-        <p:txBody>
-          <a:bodyPr rtlCol="0" anchor="ctr"/>
-          <a:lstStyle/>
-          <a:p>
-            <a:pPr algn="ctr"/>
-            <a:r>
-              <a:rPr lang="en-US" altLang="zh-TW" sz="2400" dirty="0"/>
-              <a:t>Don’t do that</a:t>
-            </a:r>
-            <a:endParaRPr lang="zh-TW" altLang="en-US" sz="2400" dirty="0"/>
-          </a:p>
-        </p:txBody>
-      </p:sp>
-      <p:sp>
-        <p:nvSpPr>
-          <p:cNvPr id="3" name="文字方塊 2"/>
-          <p:cNvSpPr txBox="1"/>
-          <p:nvPr/>
-        </p:nvSpPr>
-        <p:spPr>
-          <a:xfrm>
-            <a:off x="2485580" y="2464046"/>
-            <a:ext cx="1075716" cy="523220"/>
-          </a:xfrm>
-          <a:prstGeom prst="rect">
-            <a:avLst/>
-          </a:prstGeom>
-          <a:noFill/>
-        </p:spPr>
-        <p:txBody>
-          <a:bodyPr wrap="square" rtlCol="0">
-            <a:spAutoFit/>
-          </a:bodyPr>
-          <a:lstStyle/>
-          <a:p>
-            <a:pPr algn="ctr"/>
-            <a:r>
-              <a:rPr lang="en-US" altLang="zh-TW" sz="2800" dirty="0">
-                <a:solidFill>
-                  <a:srgbClr val="FF0000"/>
-                </a:solidFill>
-              </a:rPr>
-              <a:t>State</a:t>
-            </a:r>
-            <a:endParaRPr lang="zh-TW" altLang="en-US" sz="2800" dirty="0">
-              <a:solidFill>
-                <a:srgbClr val="FF0000"/>
-              </a:solidFill>
-            </a:endParaRPr>
-          </a:p>
-        </p:txBody>
-      </p:sp>
-      <p:sp>
-        <p:nvSpPr>
-          <p:cNvPr id="6" name="文字方塊 5"/>
-          <p:cNvSpPr txBox="1"/>
-          <p:nvPr/>
-        </p:nvSpPr>
-        <p:spPr>
-          <a:xfrm>
-            <a:off x="5316035" y="2464046"/>
-            <a:ext cx="1861725" cy="830997"/>
-          </a:xfrm>
-          <a:prstGeom prst="rect">
-            <a:avLst/>
-          </a:prstGeom>
-          <a:noFill/>
-        </p:spPr>
-        <p:txBody>
-          <a:bodyPr wrap="square" rtlCol="0">
-            <a:spAutoFit/>
-          </a:bodyPr>
-          <a:lstStyle/>
-          <a:p>
-            <a:r>
-              <a:rPr lang="en-US" altLang="zh-TW" sz="2400" dirty="0">
-                <a:solidFill>
-                  <a:srgbClr val="0000FF"/>
-                </a:solidFill>
-              </a:rPr>
-              <a:t>Change the environment</a:t>
-            </a:r>
-            <a:endParaRPr lang="zh-TW" altLang="en-US" sz="2400" dirty="0">
-              <a:solidFill>
-                <a:srgbClr val="0000FF"/>
-              </a:solidFill>
-            </a:endParaRPr>
-          </a:p>
-        </p:txBody>
-      </p:sp>
-    </p:spTree>
-    <p:extLst>
-      <p:ext uri="{BB962C8B-B14F-4D97-AF65-F5344CB8AC3E}">
-        <p14:creationId xmlns:p14="http://schemas.microsoft.com/office/powerpoint/2010/main" val="3930790321"/>
-      </p:ext>
-    </p:extLst>
-  </p:cSld>
-  <p:clrMapOvr>
-    <a:masterClrMapping/>
-  </p:clrMapOvr>
-  <mc:AlternateContent xmlns:mc="http://schemas.openxmlformats.org/markup-compatibility/2006" xmlns:p14="http://schemas.microsoft.com/office/powerpoint/2010/main">
-    <mc:Choice Requires="p14">
-      <p:transition spd="slow" p14:dur="2000">
-        <p:cut/>
-      </p:transition>
-    </mc:Choice>
-    <mc:Fallback xmlns="">
-      <p:transition spd="slow">
-        <p:cut/>
-      </p:transition>
-    </mc:Fallback>
-  </mc:AlternateContent>
-  <p:timing>
-    <p:tnLst>
-      <p:par>
-        <p:cTn id="1" dur="indefinite" restart="never" nodeType="tmRoot">
-          <p:childTnLst>
-            <p:seq concurrent="1" nextAc="seek">
-              <p:cTn id="2" dur="indefinite" nodeType="mainSeq">
-                <p:childTnLst>
-                  <p:par>
-                    <p:cTn id="3" fill="hold">
-                      <p:stCondLst>
-                        <p:cond delay="indefinite"/>
-                      </p:stCondLst>
-                      <p:childTnLst>
-                        <p:par>
-                          <p:cTn id="4" fill="hold">
-                            <p:stCondLst>
-                              <p:cond delay="0"/>
-                            </p:stCondLst>
-                            <p:childTnLst>
-                              <p:par>
-                                <p:cTn id="5" presetID="1" presetClass="entr" presetSubtype="0" fill="hold" grpId="0" nodeType="clickEffect">
-                                  <p:stCondLst>
-                                    <p:cond delay="0"/>
-                                  </p:stCondLst>
-                                  <p:childTnLst>
-                                    <p:set>
-                                      <p:cBhvr>
-                                        <p:cTn id="6" dur="1" fill="hold">
-                                          <p:stCondLst>
-                                            <p:cond delay="0"/>
-                                          </p:stCondLst>
-                                        </p:cTn>
-                                        <p:tgtEl>
-                                          <p:spTgt spid="5"/>
-                                        </p:tgtEl>
-                                        <p:attrNameLst>
-                                          <p:attrName>style.visibility</p:attrName>
-                                        </p:attrNameLst>
-                                      </p:cBhvr>
-                                      <p:to>
-                                        <p:strVal val="visible"/>
-                                      </p:to>
-                                    </p:set>
-                                  </p:childTnLst>
-                                </p:cTn>
-                              </p:par>
-                              <p:par>
-                                <p:cTn id="7" presetID="1" presetClass="entr" presetSubtype="0" fill="hold" nodeType="withEffect">
-                                  <p:stCondLst>
-                                    <p:cond delay="0"/>
-                                  </p:stCondLst>
-                                  <p:childTnLst>
-                                    <p:set>
-                                      <p:cBhvr>
-                                        <p:cTn id="8" dur="1" fill="hold">
-                                          <p:stCondLst>
-                                            <p:cond delay="0"/>
-                                          </p:stCondLst>
-                                        </p:cTn>
-                                        <p:tgtEl>
-                                          <p:spTgt spid="4"/>
-                                        </p:tgtEl>
-                                        <p:attrNameLst>
-                                          <p:attrName>style.visibility</p:attrName>
-                                        </p:attrNameLst>
-                                      </p:cBhvr>
-                                      <p:to>
-                                        <p:strVal val="visible"/>
-                                      </p:to>
-                                    </p:set>
-                                  </p:childTnLst>
-                                </p:cTn>
-                              </p:par>
-                            </p:childTnLst>
-                          </p:cTn>
-                        </p:par>
-                      </p:childTnLst>
-                    </p:cTn>
-                  </p:par>
-                  <p:par>
-                    <p:cTn id="9" fill="hold">
-                      <p:stCondLst>
-                        <p:cond delay="indefinite"/>
-                      </p:stCondLst>
-                      <p:childTnLst>
-                        <p:par>
-                          <p:cTn id="10" fill="hold">
-                            <p:stCondLst>
-                              <p:cond delay="0"/>
-                            </p:stCondLst>
-                            <p:childTnLst>
-                              <p:par>
-                                <p:cTn id="11" presetID="1" presetClass="entr" presetSubtype="0" fill="hold" nodeType="clickEffect">
-                                  <p:stCondLst>
-                                    <p:cond delay="0"/>
-                                  </p:stCondLst>
-                                  <p:childTnLst>
-                                    <p:set>
-                                      <p:cBhvr>
-                                        <p:cTn id="12" dur="1" fill="hold">
-                                          <p:stCondLst>
-                                            <p:cond delay="0"/>
-                                          </p:stCondLst>
-                                        </p:cTn>
-                                        <p:tgtEl>
-                                          <p:spTgt spid="123906"/>
-                                        </p:tgtEl>
-                                        <p:attrNameLst>
-                                          <p:attrName>style.visibility</p:attrName>
-                                        </p:attrNameLst>
-                                      </p:cBhvr>
-                                      <p:to>
-                                        <p:strVal val="visible"/>
-                                      </p:to>
-                                    </p:set>
-                                  </p:childTnLst>
-                                </p:cTn>
-                              </p:par>
-                              <p:par>
-                                <p:cTn id="13" presetID="1" presetClass="entr" presetSubtype="0" fill="hold" grpId="0" nodeType="withEffect">
-                                  <p:stCondLst>
-                                    <p:cond delay="0"/>
-                                  </p:stCondLst>
-                                  <p:childTnLst>
-                                    <p:set>
-                                      <p:cBhvr>
-                                        <p:cTn id="14" dur="1" fill="hold">
-                                          <p:stCondLst>
-                                            <p:cond delay="0"/>
-                                          </p:stCondLst>
-                                        </p:cTn>
-                                        <p:tgtEl>
-                                          <p:spTgt spid="7"/>
-                                        </p:tgtEl>
-                                        <p:attrNameLst>
-                                          <p:attrName>style.visibility</p:attrName>
-                                        </p:attrNameLst>
-                                      </p:cBhvr>
-                                      <p:to>
-                                        <p:strVal val="visible"/>
-                                      </p:to>
-                                    </p:set>
-                                  </p:childTnLst>
-                                </p:cTn>
-                              </p:par>
-                            </p:childTnLst>
-                          </p:cTn>
-                        </p:par>
-                      </p:childTnLst>
-                    </p:cTn>
-                  </p:par>
-                  <p:par>
-                    <p:cTn id="15" fill="hold">
-                      <p:stCondLst>
-                        <p:cond delay="indefinite"/>
-                      </p:stCondLst>
-                      <p:childTnLst>
-                        <p:par>
-                          <p:cTn id="16" fill="hold">
-                            <p:stCondLst>
-                              <p:cond delay="0"/>
-                            </p:stCondLst>
-                            <p:childTnLst>
-                              <p:par>
-                                <p:cTn id="17" presetID="1" presetClass="entr" presetSubtype="0" fill="hold" nodeType="clickEffect">
-                                  <p:stCondLst>
-                                    <p:cond delay="0"/>
-                                  </p:stCondLst>
-                                  <p:childTnLst>
-                                    <p:set>
-                                      <p:cBhvr>
-                                        <p:cTn id="18" dur="1" fill="hold">
-                                          <p:stCondLst>
-                                            <p:cond delay="0"/>
-                                          </p:stCondLst>
-                                        </p:cTn>
-                                        <p:tgtEl>
-                                          <p:spTgt spid="10"/>
-                                        </p:tgtEl>
-                                        <p:attrNameLst>
-                                          <p:attrName>style.visibility</p:attrName>
-                                        </p:attrNameLst>
-                                      </p:cBhvr>
-                                      <p:to>
-                                        <p:strVal val="visible"/>
-                                      </p:to>
-                                    </p:set>
-                                  </p:childTnLst>
-                                </p:cTn>
-                              </p:par>
-                              <p:par>
-                                <p:cTn id="19" presetID="1" presetClass="entr" presetSubtype="0" fill="hold" nodeType="withEffect">
-                                  <p:stCondLst>
-                                    <p:cond delay="0"/>
-                                  </p:stCondLst>
-                                  <p:childTnLst>
-                                    <p:set>
-                                      <p:cBhvr>
-                                        <p:cTn id="20" dur="1" fill="hold">
-                                          <p:stCondLst>
-                                            <p:cond delay="0"/>
-                                          </p:stCondLst>
-                                        </p:cTn>
-                                        <p:tgtEl>
-                                          <p:spTgt spid="8"/>
-                                        </p:tgtEl>
-                                        <p:attrNameLst>
-                                          <p:attrName>style.visibility</p:attrName>
-                                        </p:attrNameLst>
-                                      </p:cBhvr>
-                                      <p:to>
-                                        <p:strVal val="visible"/>
-                                      </p:to>
-                                    </p:set>
-                                  </p:childTnLst>
-                                </p:cTn>
-                              </p:par>
-                              <p:par>
-                                <p:cTn id="21" presetID="1" presetClass="entr" presetSubtype="0" fill="hold" grpId="0" nodeType="withEffect">
-                                  <p:stCondLst>
-                                    <p:cond delay="0"/>
-                                  </p:stCondLst>
-                                  <p:childTnLst>
-                                    <p:set>
-                                      <p:cBhvr>
-                                        <p:cTn id="22" dur="1" fill="hold">
-                                          <p:stCondLst>
-                                            <p:cond delay="0"/>
-                                          </p:stCondLst>
-                                        </p:cTn>
-                                        <p:tgtEl>
-                                          <p:spTgt spid="18"/>
-                                        </p:tgtEl>
-                                        <p:attrNameLst>
-                                          <p:attrName>style.visibility</p:attrName>
-                                        </p:attrNameLst>
-                                      </p:cBhvr>
-                                      <p:to>
-                                        <p:strVal val="visible"/>
-                                      </p:to>
-                                    </p:set>
-                                  </p:childTnLst>
-                                </p:cTn>
-                              </p:par>
-                              <p:par>
-                                <p:cTn id="23" presetID="1" presetClass="entr" presetSubtype="0" fill="hold" nodeType="withEffect">
-                                  <p:stCondLst>
-                                    <p:cond delay="0"/>
-                                  </p:stCondLst>
-                                  <p:childTnLst>
-                                    <p:set>
-                                      <p:cBhvr>
-                                        <p:cTn id="24" dur="1" fill="hold">
-                                          <p:stCondLst>
-                                            <p:cond delay="0"/>
-                                          </p:stCondLst>
-                                        </p:cTn>
-                                        <p:tgtEl>
-                                          <p:spTgt spid="12"/>
-                                        </p:tgtEl>
-                                        <p:attrNameLst>
-                                          <p:attrName>style.visibility</p:attrName>
-                                        </p:attrNameLst>
-                                      </p:cBhvr>
-                                      <p:to>
-                                        <p:strVal val="visible"/>
-                                      </p:to>
-                                    </p:set>
-                                  </p:childTnLst>
-                                </p:cTn>
-                              </p:par>
-                            </p:childTnLst>
-                          </p:cTn>
-                        </p:par>
-                      </p:childTnLst>
-                    </p:cTn>
-                  </p:par>
-                  <p:par>
-                    <p:cTn id="25" fill="hold">
-                      <p:stCondLst>
-                        <p:cond delay="indefinite"/>
-                      </p:stCondLst>
-                      <p:childTnLst>
-                        <p:par>
-                          <p:cTn id="26" fill="hold">
-                            <p:stCondLst>
-                              <p:cond delay="0"/>
-                            </p:stCondLst>
-                            <p:childTnLst>
-                              <p:par>
-                                <p:cTn id="27" presetID="1" presetClass="entr" presetSubtype="0" fill="hold" grpId="0" nodeType="clickEffect">
-                                  <p:stCondLst>
-                                    <p:cond delay="0"/>
-                                  </p:stCondLst>
-                                  <p:childTnLst>
-                                    <p:set>
-                                      <p:cBhvr>
-                                        <p:cTn id="28" dur="1" fill="hold">
-                                          <p:stCondLst>
-                                            <p:cond delay="0"/>
-                                          </p:stCondLst>
-                                        </p:cTn>
-                                        <p:tgtEl>
-                                          <p:spTgt spid="3"/>
-                                        </p:tgtEl>
-                                        <p:attrNameLst>
-                                          <p:attrName>style.visibility</p:attrName>
-                                        </p:attrNameLst>
-                                      </p:cBhvr>
-                                      <p:to>
-                                        <p:strVal val="visible"/>
-                                      </p:to>
-                                    </p:set>
-                                  </p:childTnLst>
-                                </p:cTn>
-                              </p:par>
-                            </p:childTnLst>
-                          </p:cTn>
-                        </p:par>
-                      </p:childTnLst>
-                    </p:cTn>
-                  </p:par>
-                  <p:par>
-                    <p:cTn id="29" fill="hold">
-                      <p:stCondLst>
-                        <p:cond delay="indefinite"/>
-                      </p:stCondLst>
-                      <p:childTnLst>
-                        <p:par>
-                          <p:cTn id="30" fill="hold">
-                            <p:stCondLst>
-                              <p:cond delay="0"/>
-                            </p:stCondLst>
-                            <p:childTnLst>
-                              <p:par>
-                                <p:cTn id="31" presetID="1" presetClass="entr" presetSubtype="0" fill="hold" grpId="0" nodeType="clickEffect">
-                                  <p:stCondLst>
-                                    <p:cond delay="0"/>
-                                  </p:stCondLst>
-                                  <p:childTnLst>
-                                    <p:set>
-                                      <p:cBhvr>
-                                        <p:cTn id="32" dur="1" fill="hold">
-                                          <p:stCondLst>
-                                            <p:cond delay="0"/>
-                                          </p:stCondLst>
-                                        </p:cTn>
-                                        <p:tgtEl>
-                                          <p:spTgt spid="21"/>
-                                        </p:tgtEl>
-                                        <p:attrNameLst>
-                                          <p:attrName>style.visibility</p:attrName>
-                                        </p:attrNameLst>
-                                      </p:cBhvr>
-                                      <p:to>
-                                        <p:strVal val="visible"/>
-                                      </p:to>
-                                    </p:set>
-                                  </p:childTnLst>
-                                </p:cTn>
-                              </p:par>
-                              <p:par>
-                                <p:cTn id="33" presetID="1" presetClass="entr" presetSubtype="0" fill="hold" nodeType="withEffect">
-                                  <p:stCondLst>
-                                    <p:cond delay="0"/>
-                                  </p:stCondLst>
-                                  <p:childTnLst>
-                                    <p:set>
-                                      <p:cBhvr>
-                                        <p:cTn id="34" dur="1" fill="hold">
-                                          <p:stCondLst>
-                                            <p:cond delay="0"/>
-                                          </p:stCondLst>
-                                        </p:cTn>
-                                        <p:tgtEl>
-                                          <p:spTgt spid="20"/>
-                                        </p:tgtEl>
-                                        <p:attrNameLst>
-                                          <p:attrName>style.visibility</p:attrName>
-                                        </p:attrNameLst>
-                                      </p:cBhvr>
-                                      <p:to>
-                                        <p:strVal val="visible"/>
-                                      </p:to>
-                                    </p:set>
-                                  </p:childTnLst>
-                                </p:cTn>
-                              </p:par>
-                              <p:par>
-                                <p:cTn id="35" presetID="1" presetClass="entr" presetSubtype="0" fill="hold" nodeType="withEffect">
-                                  <p:stCondLst>
-                                    <p:cond delay="0"/>
-                                  </p:stCondLst>
-                                  <p:childTnLst>
-                                    <p:set>
-                                      <p:cBhvr>
-                                        <p:cTn id="36" dur="1" fill="hold">
-                                          <p:stCondLst>
-                                            <p:cond delay="0"/>
-                                          </p:stCondLst>
-                                        </p:cTn>
-                                        <p:tgtEl>
-                                          <p:spTgt spid="22"/>
-                                        </p:tgtEl>
-                                        <p:attrNameLst>
-                                          <p:attrName>style.visibility</p:attrName>
-                                        </p:attrNameLst>
-                                      </p:cBhvr>
-                                      <p:to>
-                                        <p:strVal val="visible"/>
-                                      </p:to>
-                                    </p:set>
-                                  </p:childTnLst>
-                                </p:cTn>
-                              </p:par>
-                              <p:par>
-                                <p:cTn id="37" presetID="1" presetClass="entr" presetSubtype="0" fill="hold" nodeType="withEffect">
-                                  <p:stCondLst>
-                                    <p:cond delay="0"/>
-                                  </p:stCondLst>
-                                  <p:childTnLst>
-                                    <p:set>
-                                      <p:cBhvr>
-                                        <p:cTn id="38" dur="1" fill="hold">
-                                          <p:stCondLst>
-                                            <p:cond delay="0"/>
-                                          </p:stCondLst>
-                                        </p:cTn>
-                                        <p:tgtEl>
-                                          <p:spTgt spid="23"/>
-                                        </p:tgtEl>
-                                        <p:attrNameLst>
-                                          <p:attrName>style.visibility</p:attrName>
-                                        </p:attrNameLst>
-                                      </p:cBhvr>
-                                      <p:to>
-                                        <p:strVal val="visible"/>
-                                      </p:to>
-                                    </p:set>
-                                  </p:childTnLst>
-                                </p:cTn>
-                              </p:par>
-                            </p:childTnLst>
-                          </p:cTn>
-                        </p:par>
-                      </p:childTnLst>
-                    </p:cTn>
-                  </p:par>
-                  <p:par>
-                    <p:cTn id="39" fill="hold">
-                      <p:stCondLst>
-                        <p:cond delay="indefinite"/>
-                      </p:stCondLst>
-                      <p:childTnLst>
-                        <p:par>
-                          <p:cTn id="40" fill="hold">
-                            <p:stCondLst>
-                              <p:cond delay="0"/>
-                            </p:stCondLst>
-                            <p:childTnLst>
-                              <p:par>
-                                <p:cTn id="41" presetID="1" presetClass="entr" presetSubtype="0" fill="hold" grpId="0" nodeType="clickEffect">
-                                  <p:stCondLst>
-                                    <p:cond delay="0"/>
-                                  </p:stCondLst>
-                                  <p:childTnLst>
-                                    <p:set>
-                                      <p:cBhvr>
-                                        <p:cTn id="42" dur="1" fill="hold">
-                                          <p:stCondLst>
-                                            <p:cond delay="0"/>
-                                          </p:stCondLst>
-                                        </p:cTn>
-                                        <p:tgtEl>
-                                          <p:spTgt spid="6"/>
-                                        </p:tgtEl>
-                                        <p:attrNameLst>
-                                          <p:attrName>style.visibility</p:attrName>
-                                        </p:attrNameLst>
-                                      </p:cBhvr>
-                                      <p:to>
-                                        <p:strVal val="visible"/>
-                                      </p:to>
-                                    </p:set>
-                                  </p:childTnLst>
-                                </p:cTn>
-                              </p:par>
-                            </p:childTnLst>
-                          </p:cTn>
-                        </p:par>
-                      </p:childTnLst>
-                    </p:cTn>
-                  </p:par>
-                  <p:par>
-                    <p:cTn id="43" fill="hold">
-                      <p:stCondLst>
-                        <p:cond delay="indefinite"/>
-                      </p:stCondLst>
-                      <p:childTnLst>
-                        <p:par>
-                          <p:cTn id="44" fill="hold">
-                            <p:stCondLst>
-                              <p:cond delay="0"/>
-                            </p:stCondLst>
-                            <p:childTnLst>
-                              <p:par>
-                                <p:cTn id="45" presetID="1" presetClass="entr" presetSubtype="0" fill="hold" nodeType="clickEffect">
-                                  <p:stCondLst>
-                                    <p:cond delay="0"/>
-                                  </p:stCondLst>
-                                  <p:childTnLst>
-                                    <p:set>
-                                      <p:cBhvr>
-                                        <p:cTn id="46" dur="1" fill="hold">
-                                          <p:stCondLst>
-                                            <p:cond delay="0"/>
-                                          </p:stCondLst>
-                                        </p:cTn>
-                                        <p:tgtEl>
-                                          <p:spTgt spid="14"/>
-                                        </p:tgtEl>
-                                        <p:attrNameLst>
-                                          <p:attrName>style.visibility</p:attrName>
-                                        </p:attrNameLst>
-                                      </p:cBhvr>
-                                      <p:to>
-                                        <p:strVal val="visible"/>
-                                      </p:to>
-                                    </p:set>
-                                  </p:childTnLst>
-                                </p:cTn>
-                              </p:par>
-                              <p:par>
-                                <p:cTn id="47" presetID="1" presetClass="entr" presetSubtype="0" fill="hold" grpId="0" nodeType="withEffect">
-                                  <p:stCondLst>
-                                    <p:cond delay="0"/>
-                                  </p:stCondLst>
-                                  <p:childTnLst>
-                                    <p:set>
-                                      <p:cBhvr>
-                                        <p:cTn id="48" dur="1" fill="hold">
-                                          <p:stCondLst>
-                                            <p:cond delay="0"/>
-                                          </p:stCondLst>
-                                        </p:cTn>
-                                        <p:tgtEl>
-                                          <p:spTgt spid="24"/>
-                                        </p:tgtEl>
-                                        <p:attrNameLst>
-                                          <p:attrName>style.visibility</p:attrName>
-                                        </p:attrNameLst>
-                                      </p:cBhvr>
-                                      <p:to>
-                                        <p:strVal val="visible"/>
-                                      </p:to>
-                                    </p:set>
-                                  </p:childTnLst>
-                                </p:cTn>
-                              </p:par>
-                            </p:childTnLst>
-                          </p:cTn>
-                        </p:par>
-                      </p:childTnLst>
-                    </p:cTn>
-                  </p:par>
-                  <p:par>
-                    <p:cTn id="49" fill="hold">
-                      <p:stCondLst>
-                        <p:cond delay="indefinite"/>
-                      </p:stCondLst>
-                      <p:childTnLst>
-                        <p:par>
-                          <p:cTn id="50" fill="hold">
-                            <p:stCondLst>
-                              <p:cond delay="0"/>
-                            </p:stCondLst>
-                            <p:childTnLst>
-                              <p:par>
-                                <p:cTn id="51" presetID="1" presetClass="entr" presetSubtype="0" fill="hold" nodeType="clickEffect">
-                                  <p:stCondLst>
-                                    <p:cond delay="0"/>
-                                  </p:stCondLst>
-                                  <p:childTnLst>
-                                    <p:set>
-                                      <p:cBhvr>
-                                        <p:cTn id="52" dur="1" fill="hold">
-                                          <p:stCondLst>
-                                            <p:cond delay="0"/>
-                                          </p:stCondLst>
-                                        </p:cTn>
-                                        <p:tgtEl>
-                                          <p:spTgt spid="123908"/>
-                                        </p:tgtEl>
-                                        <p:attrNameLst>
-                                          <p:attrName>style.visibility</p:attrName>
-                                        </p:attrNameLst>
-                                      </p:cBhvr>
-                                      <p:to>
-                                        <p:strVal val="visible"/>
-                                      </p:to>
-                                    </p:set>
-                                  </p:childTnLst>
-                                </p:cTn>
-                              </p:par>
-                            </p:childTnLst>
-                          </p:cTn>
-                        </p:par>
-                      </p:childTnLst>
-                    </p:cTn>
-                  </p:par>
-                  <p:par>
-                    <p:cTn id="53" fill="hold">
-                      <p:stCondLst>
-                        <p:cond delay="indefinite"/>
-                      </p:stCondLst>
-                      <p:childTnLst>
-                        <p:par>
-                          <p:cTn id="54" fill="hold">
-                            <p:stCondLst>
-                              <p:cond delay="0"/>
-                            </p:stCondLst>
-                            <p:childTnLst>
-                              <p:par>
-                                <p:cTn id="55" presetID="1" presetClass="entr" presetSubtype="0" fill="hold" nodeType="clickEffect">
-                                  <p:stCondLst>
-                                    <p:cond delay="0"/>
-                                  </p:stCondLst>
-                                  <p:childTnLst>
-                                    <p:set>
-                                      <p:cBhvr>
-                                        <p:cTn id="56" dur="1" fill="hold">
-                                          <p:stCondLst>
-                                            <p:cond delay="0"/>
-                                          </p:stCondLst>
-                                        </p:cTn>
-                                        <p:tgtEl>
-                                          <p:spTgt spid="123910"/>
-                                        </p:tgtEl>
-                                        <p:attrNameLst>
-                                          <p:attrName>style.visibility</p:attrName>
-                                        </p:attrNameLst>
-                                      </p:cBhvr>
-                                      <p:to>
-                                        <p:strVal val="visible"/>
-                                      </p:to>
-                                    </p:set>
-                                  </p:childTnLst>
-                                </p:cTn>
-                              </p:par>
-                            </p:childTnLst>
-                          </p:cTn>
-                        </p:par>
-                      </p:childTnLst>
-                    </p:cTn>
-                  </p:par>
-                  <p:par>
-                    <p:cTn id="57" fill="hold">
-                      <p:stCondLst>
-                        <p:cond delay="indefinite"/>
-                      </p:stCondLst>
-                      <p:childTnLst>
-                        <p:par>
-                          <p:cTn id="58" fill="hold">
-                            <p:stCondLst>
-                              <p:cond delay="0"/>
-                            </p:stCondLst>
-                            <p:childTnLst>
-                              <p:par>
-                                <p:cTn id="59" presetID="1" presetClass="entr" presetSubtype="0" fill="hold" grpId="0" nodeType="clickEffect">
-                                  <p:stCondLst>
-                                    <p:cond delay="0"/>
-                                  </p:stCondLst>
-                                  <p:childTnLst>
-                                    <p:set>
-                                      <p:cBhvr>
-                                        <p:cTn id="60" dur="1" fill="hold">
-                                          <p:stCondLst>
-                                            <p:cond delay="0"/>
-                                          </p:stCondLst>
-                                        </p:cTn>
-                                        <p:tgtEl>
-                                          <p:spTgt spid="17"/>
-                                        </p:tgtEl>
-                                        <p:attrNameLst>
-                                          <p:attrName>style.visibility</p:attrName>
-                                        </p:attrNameLst>
-                                      </p:cBhvr>
-                                      <p:to>
-                                        <p:strVal val="visible"/>
-                                      </p:to>
-                                    </p:set>
-                                  </p:childTnLst>
-                                </p:cTn>
-                              </p:par>
-                            </p:childTnLst>
-                          </p:cTn>
-                        </p:par>
-                      </p:childTnLst>
-                    </p:cTn>
-                  </p:par>
-                </p:childTnLst>
-              </p:cTn>
-              <p:prevCondLst>
-                <p:cond evt="onPrev" delay="0">
-                  <p:tgtEl>
-                    <p:sldTgt/>
-                  </p:tgtEl>
-                </p:cond>
-              </p:prevCondLst>
-              <p:nextCondLst>
-                <p:cond evt="onNext" delay="0">
-                  <p:tgtEl>
-                    <p:sldTgt/>
-                  </p:tgtEl>
-                </p:cond>
-              </p:nextCondLst>
-            </p:seq>
-          </p:childTnLst>
-        </p:cTn>
-      </p:par>
-    </p:tnLst>
-    <p:bldLst>
-      <p:bldP spid="5" grpId="0"/>
-      <p:bldP spid="7" grpId="0"/>
-      <p:bldP spid="18" grpId="0"/>
-      <p:bldP spid="21" grpId="0"/>
-      <p:bldP spid="24" grpId="0"/>
-      <p:bldP spid="17" grpId="0" animBg="1"/>
-      <p:bldP spid="3" grpId="0"/>
-      <p:bldP spid="6" grpId="0"/>
-    </p:bldLst>
-  </p:timing>
-</p:sld>
-</file>
-
-<file path=ppt/slides/slide12.xml><?xml version="1.0" encoding="utf-8"?>
-<p:sld xmlns:a="http://schemas.openxmlformats.org/drawingml/2006/main" xmlns:r="http://schemas.openxmlformats.org/officeDocument/2006/relationships" xmlns:p="http://schemas.openxmlformats.org/presentationml/2006/main">
-  <p:cSld>
-    <p:spTree>
-      <p:nvGrpSpPr>
-        <p:cNvPr id="1" name=""/>
-        <p:cNvGrpSpPr/>
-        <p:nvPr/>
-      </p:nvGrpSpPr>
-      <p:grpSpPr>
-        <a:xfrm>
-          <a:off x="0" y="0"/>
-          <a:ext cx="0" cy="0"/>
-          <a:chOff x="0" y="0"/>
-          <a:chExt cx="0" cy="0"/>
-        </a:xfrm>
-      </p:grpSpPr>
-      <p:sp>
-        <p:nvSpPr>
-          <p:cNvPr id="2" name="標題 1"/>
-          <p:cNvSpPr>
-            <a:spLocks noGrp="1"/>
-          </p:cNvSpPr>
-          <p:nvPr>
-            <p:ph type="title"/>
-          </p:nvPr>
-        </p:nvSpPr>
-        <p:spPr/>
-        <p:txBody>
-          <a:bodyPr>
-            <a:normAutofit fontScale="90000"/>
-          </a:bodyPr>
-          <a:lstStyle/>
-          <a:p>
-            <a:r>
-              <a:rPr lang="en-US" altLang="zh-TW" dirty="0"/>
-              <a:t>Scenario of Reinforcement Learning</a:t>
-            </a:r>
-            <a:endParaRPr lang="zh-TW" altLang="en-US" dirty="0"/>
-          </a:p>
-        </p:txBody>
-      </p:sp>
-      <p:pic>
-        <p:nvPicPr>
-          <p:cNvPr id="4" name="Picture 2" descr="http://www.is-scam.com/wp-content/uploads/2014/12/question-robot.png"/>
-          <p:cNvPicPr>
-            <a:picLocks noChangeAspect="1" noChangeArrowheads="1"/>
-          </p:cNvPicPr>
-          <p:nvPr/>
-        </p:nvPicPr>
-        <p:blipFill>
-          <a:blip r:embed="rId2">
-            <a:extLst>
-              <a:ext uri="{28A0092B-C50C-407E-A947-70E740481C1C}">
-                <a14:useLocalDpi xmlns:a14="http://schemas.microsoft.com/office/drawing/2010/main" val="0"/>
-              </a:ext>
-            </a:extLst>
-          </a:blip>
-          <a:srcRect/>
-          <a:stretch>
-            <a:fillRect/>
-          </a:stretch>
-        </p:blipFill>
-        <p:spPr bwMode="auto">
-          <a:xfrm>
-            <a:off x="3577788" y="1733729"/>
-            <a:ext cx="1835587" cy="2368695"/>
-          </a:xfrm>
-          <a:prstGeom prst="rect">
-            <a:avLst/>
-          </a:prstGeom>
-          <a:noFill/>
-          <a:extLst>
-            <a:ext uri="{909E8E84-426E-40DD-AFC4-6F175D3DCCD1}">
-              <a14:hiddenFill xmlns:a14="http://schemas.microsoft.com/office/drawing/2010/main">
-                <a:solidFill>
-                  <a:srgbClr val="FFFFFF"/>
-                </a:solidFill>
-              </a14:hiddenFill>
-            </a:ext>
-          </a:extLst>
-        </p:spPr>
-      </p:pic>
-      <p:sp>
-        <p:nvSpPr>
-          <p:cNvPr id="5" name="文字方塊 4"/>
-          <p:cNvSpPr txBox="1"/>
-          <p:nvPr/>
-        </p:nvSpPr>
-        <p:spPr>
-          <a:xfrm>
-            <a:off x="3014297" y="3237123"/>
-            <a:ext cx="1088572" cy="461665"/>
-          </a:xfrm>
-          <a:prstGeom prst="rect">
-            <a:avLst/>
-          </a:prstGeom>
-          <a:noFill/>
-        </p:spPr>
-        <p:txBody>
-          <a:bodyPr wrap="square" rtlCol="0">
-            <a:spAutoFit/>
-          </a:bodyPr>
-          <a:lstStyle/>
-          <a:p>
-            <a:r>
-              <a:rPr lang="en-US" altLang="zh-TW" sz="2400" dirty="0"/>
-              <a:t>Agent</a:t>
-            </a:r>
-            <a:endParaRPr lang="zh-TW" altLang="en-US" sz="2400" dirty="0"/>
-          </a:p>
-        </p:txBody>
-      </p:sp>
-      <p:pic>
-        <p:nvPicPr>
-          <p:cNvPr id="123906" name="Picture 2" descr="https://pixabay.com/static/uploads/photo/2013/07/12/13/55/earth-147591_960_720.png"/>
-          <p:cNvPicPr>
-            <a:picLocks noChangeAspect="1" noChangeArrowheads="1"/>
-          </p:cNvPicPr>
-          <p:nvPr/>
-        </p:nvPicPr>
-        <p:blipFill>
-          <a:blip r:embed="rId3" cstate="print">
-            <a:extLst>
-              <a:ext uri="{28A0092B-C50C-407E-A947-70E740481C1C}">
-                <a14:useLocalDpi xmlns:a14="http://schemas.microsoft.com/office/drawing/2010/main" val="0"/>
-              </a:ext>
-            </a:extLst>
-          </a:blip>
-          <a:srcRect/>
-          <a:stretch>
-            <a:fillRect/>
-          </a:stretch>
-        </p:blipFill>
-        <p:spPr bwMode="auto">
-          <a:xfrm>
-            <a:off x="4034473" y="5377857"/>
-            <a:ext cx="1172306" cy="1172306"/>
-          </a:xfrm>
-          <a:prstGeom prst="rect">
-            <a:avLst/>
-          </a:prstGeom>
-          <a:noFill/>
-          <a:extLst>
-            <a:ext uri="{909E8E84-426E-40DD-AFC4-6F175D3DCCD1}">
-              <a14:hiddenFill xmlns:a14="http://schemas.microsoft.com/office/drawing/2010/main">
-                <a:solidFill>
-                  <a:srgbClr val="FFFFFF"/>
-                </a:solidFill>
-              </a14:hiddenFill>
-            </a:ext>
-          </a:extLst>
-        </p:spPr>
-      </p:pic>
-      <p:sp>
-        <p:nvSpPr>
-          <p:cNvPr id="7" name="文字方塊 6"/>
-          <p:cNvSpPr txBox="1"/>
-          <p:nvPr/>
-        </p:nvSpPr>
-        <p:spPr>
-          <a:xfrm>
-            <a:off x="5147828" y="6028080"/>
-            <a:ext cx="2042674" cy="461665"/>
-          </a:xfrm>
-          <a:prstGeom prst="rect">
-            <a:avLst/>
-          </a:prstGeom>
-          <a:noFill/>
-        </p:spPr>
-        <p:txBody>
-          <a:bodyPr wrap="square" rtlCol="0">
-            <a:spAutoFit/>
-          </a:bodyPr>
-          <a:lstStyle/>
-          <a:p>
-            <a:r>
-              <a:rPr lang="en-US" altLang="zh-TW" sz="2400" dirty="0"/>
-              <a:t>Environment</a:t>
-            </a:r>
-            <a:endParaRPr lang="zh-TW" altLang="en-US" sz="2400" dirty="0"/>
-          </a:p>
-        </p:txBody>
-      </p:sp>
-      <p:cxnSp>
-        <p:nvCxnSpPr>
-          <p:cNvPr id="8" name="直線接點 7"/>
-          <p:cNvCxnSpPr/>
-          <p:nvPr/>
-        </p:nvCxnSpPr>
-        <p:spPr>
-          <a:xfrm>
-            <a:off x="2171700" y="2443512"/>
-            <a:ext cx="0" cy="3287402"/>
-          </a:xfrm>
-          <a:prstGeom prst="line">
-            <a:avLst/>
-          </a:prstGeom>
-          <a:ln w="38100">
-            <a:solidFill>
-              <a:srgbClr val="FF0000"/>
-            </a:solidFill>
-          </a:ln>
-        </p:spPr>
-        <p:style>
-          <a:lnRef idx="1">
-            <a:schemeClr val="accent1"/>
-          </a:lnRef>
-          <a:fillRef idx="0">
-            <a:schemeClr val="accent1"/>
-          </a:fillRef>
-          <a:effectRef idx="0">
-            <a:schemeClr val="accent1"/>
-          </a:effectRef>
-          <a:fontRef idx="minor">
-            <a:schemeClr val="tx1"/>
-          </a:fontRef>
-        </p:style>
-      </p:cxnSp>
-      <p:cxnSp>
-        <p:nvCxnSpPr>
-          <p:cNvPr id="10" name="直線接點 9"/>
-          <p:cNvCxnSpPr/>
-          <p:nvPr/>
-        </p:nvCxnSpPr>
-        <p:spPr>
-          <a:xfrm flipH="1">
-            <a:off x="2171701" y="5730915"/>
-            <a:ext cx="1685193" cy="0"/>
-          </a:xfrm>
-          <a:prstGeom prst="line">
-            <a:avLst/>
-          </a:prstGeom>
-          <a:ln w="38100">
-            <a:solidFill>
-              <a:srgbClr val="FF0000"/>
-            </a:solidFill>
-          </a:ln>
-        </p:spPr>
-        <p:style>
-          <a:lnRef idx="1">
-            <a:schemeClr val="accent1"/>
-          </a:lnRef>
-          <a:fillRef idx="0">
-            <a:schemeClr val="accent1"/>
-          </a:fillRef>
-          <a:effectRef idx="0">
-            <a:schemeClr val="accent1"/>
-          </a:effectRef>
-          <a:fontRef idx="minor">
-            <a:schemeClr val="tx1"/>
-          </a:fontRef>
-        </p:style>
-      </p:cxnSp>
-      <p:cxnSp>
-        <p:nvCxnSpPr>
-          <p:cNvPr id="12" name="直線接點 11"/>
-          <p:cNvCxnSpPr/>
-          <p:nvPr/>
-        </p:nvCxnSpPr>
-        <p:spPr>
-          <a:xfrm>
-            <a:off x="2171702" y="2443512"/>
-            <a:ext cx="1685192" cy="0"/>
-          </a:xfrm>
-          <a:prstGeom prst="line">
-            <a:avLst/>
-          </a:prstGeom>
-          <a:ln w="38100">
-            <a:solidFill>
-              <a:srgbClr val="FF0000"/>
-            </a:solidFill>
-            <a:headEnd type="none" w="med" len="med"/>
-            <a:tailEnd type="triangle" w="med" len="med"/>
-          </a:ln>
-        </p:spPr>
-        <p:style>
-          <a:lnRef idx="1">
-            <a:schemeClr val="accent1"/>
-          </a:lnRef>
-          <a:fillRef idx="0">
-            <a:schemeClr val="accent1"/>
-          </a:fillRef>
-          <a:effectRef idx="0">
-            <a:schemeClr val="accent1"/>
-          </a:effectRef>
-          <a:fontRef idx="minor">
-            <a:schemeClr val="tx1"/>
-          </a:fontRef>
-        </p:style>
-      </p:cxnSp>
-      <p:cxnSp>
-        <p:nvCxnSpPr>
-          <p:cNvPr id="14" name="直線接點 13"/>
-          <p:cNvCxnSpPr/>
-          <p:nvPr/>
-        </p:nvCxnSpPr>
-        <p:spPr>
-          <a:xfrm flipV="1">
-            <a:off x="4579805" y="4245693"/>
-            <a:ext cx="0" cy="988895"/>
-          </a:xfrm>
-          <a:prstGeom prst="line">
-            <a:avLst/>
-          </a:prstGeom>
-          <a:ln w="38100">
-            <a:solidFill>
-              <a:srgbClr val="FF0000"/>
-            </a:solidFill>
-            <a:headEnd type="none" w="med" len="med"/>
-            <a:tailEnd type="triangle" w="med" len="med"/>
-          </a:ln>
-        </p:spPr>
-        <p:style>
-          <a:lnRef idx="1">
-            <a:schemeClr val="accent1"/>
-          </a:lnRef>
-          <a:fillRef idx="0">
-            <a:schemeClr val="accent1"/>
-          </a:fillRef>
-          <a:effectRef idx="0">
-            <a:schemeClr val="accent1"/>
-          </a:effectRef>
-          <a:fontRef idx="minor">
-            <a:schemeClr val="tx1"/>
-          </a:fontRef>
-        </p:style>
-      </p:cxnSp>
-      <p:sp>
-        <p:nvSpPr>
-          <p:cNvPr id="18" name="文字方塊 17"/>
-          <p:cNvSpPr txBox="1"/>
-          <p:nvPr/>
-        </p:nvSpPr>
-        <p:spPr>
-          <a:xfrm>
-            <a:off x="2040479" y="2016700"/>
-            <a:ext cx="1947636" cy="461665"/>
-          </a:xfrm>
-          <a:prstGeom prst="rect">
-            <a:avLst/>
-          </a:prstGeom>
-          <a:noFill/>
-        </p:spPr>
-        <p:txBody>
-          <a:bodyPr wrap="square" rtlCol="0">
-            <a:spAutoFit/>
-          </a:bodyPr>
-          <a:lstStyle/>
-          <a:p>
-            <a:pPr algn="ctr"/>
-            <a:r>
-              <a:rPr lang="en-US" altLang="zh-TW" sz="2400" dirty="0"/>
-              <a:t>Observation</a:t>
-            </a:r>
-            <a:endParaRPr lang="zh-TW" altLang="en-US" sz="2400" dirty="0"/>
-          </a:p>
-        </p:txBody>
-      </p:sp>
-      <p:cxnSp>
-        <p:nvCxnSpPr>
-          <p:cNvPr id="20" name="直線接點 19"/>
-          <p:cNvCxnSpPr/>
-          <p:nvPr/>
-        </p:nvCxnSpPr>
-        <p:spPr>
-          <a:xfrm>
-            <a:off x="5446359" y="2443512"/>
-            <a:ext cx="1685192" cy="0"/>
-          </a:xfrm>
-          <a:prstGeom prst="line">
-            <a:avLst/>
-          </a:prstGeom>
-          <a:ln w="38100">
-            <a:solidFill>
-              <a:srgbClr val="FF0000"/>
-            </a:solidFill>
-            <a:headEnd type="none" w="med" len="med"/>
-            <a:tailEnd type="none" w="med" len="med"/>
-          </a:ln>
-        </p:spPr>
-        <p:style>
-          <a:lnRef idx="1">
-            <a:schemeClr val="accent1"/>
-          </a:lnRef>
-          <a:fillRef idx="0">
-            <a:schemeClr val="accent1"/>
-          </a:fillRef>
-          <a:effectRef idx="0">
-            <a:schemeClr val="accent1"/>
-          </a:effectRef>
-          <a:fontRef idx="minor">
-            <a:schemeClr val="tx1"/>
-          </a:fontRef>
-        </p:style>
-      </p:cxnSp>
-      <p:cxnSp>
-        <p:nvCxnSpPr>
-          <p:cNvPr id="22" name="直線接點 21"/>
-          <p:cNvCxnSpPr/>
-          <p:nvPr/>
-        </p:nvCxnSpPr>
-        <p:spPr>
-          <a:xfrm>
-            <a:off x="7131551" y="2440166"/>
-            <a:ext cx="0" cy="3287402"/>
-          </a:xfrm>
-          <a:prstGeom prst="line">
-            <a:avLst/>
-          </a:prstGeom>
-          <a:ln w="38100">
-            <a:solidFill>
-              <a:srgbClr val="FF0000"/>
-            </a:solidFill>
-          </a:ln>
-        </p:spPr>
-        <p:style>
-          <a:lnRef idx="1">
-            <a:schemeClr val="accent1"/>
-          </a:lnRef>
-          <a:fillRef idx="0">
-            <a:schemeClr val="accent1"/>
-          </a:fillRef>
-          <a:effectRef idx="0">
-            <a:schemeClr val="accent1"/>
-          </a:effectRef>
-          <a:fontRef idx="minor">
-            <a:schemeClr val="tx1"/>
-          </a:fontRef>
-        </p:style>
-      </p:cxnSp>
-      <p:cxnSp>
-        <p:nvCxnSpPr>
-          <p:cNvPr id="23" name="直線接點 22"/>
-          <p:cNvCxnSpPr/>
-          <p:nvPr/>
-        </p:nvCxnSpPr>
-        <p:spPr>
-          <a:xfrm flipH="1">
-            <a:off x="5413375" y="5727568"/>
-            <a:ext cx="1685193" cy="0"/>
-          </a:xfrm>
-          <a:prstGeom prst="line">
-            <a:avLst/>
-          </a:prstGeom>
-          <a:ln w="38100">
-            <a:solidFill>
-              <a:srgbClr val="FF0000"/>
-            </a:solidFill>
-            <a:headEnd type="none" w="med" len="med"/>
-            <a:tailEnd type="triangle" w="med" len="med"/>
-          </a:ln>
-        </p:spPr>
-        <p:style>
-          <a:lnRef idx="1">
-            <a:schemeClr val="accent1"/>
-          </a:lnRef>
-          <a:fillRef idx="0">
-            <a:schemeClr val="accent1"/>
-          </a:fillRef>
-          <a:effectRef idx="0">
-            <a:schemeClr val="accent1"/>
-          </a:effectRef>
-          <a:fontRef idx="minor">
-            <a:schemeClr val="tx1"/>
-          </a:fontRef>
-        </p:style>
-      </p:cxnSp>
-      <p:sp>
-        <p:nvSpPr>
-          <p:cNvPr id="24" name="文字方塊 23"/>
-          <p:cNvSpPr txBox="1"/>
-          <p:nvPr/>
-        </p:nvSpPr>
-        <p:spPr>
-          <a:xfrm>
-            <a:off x="4653983" y="4591080"/>
-            <a:ext cx="1324105" cy="461665"/>
-          </a:xfrm>
-          <a:prstGeom prst="rect">
-            <a:avLst/>
-          </a:prstGeom>
-          <a:noFill/>
-        </p:spPr>
-        <p:txBody>
-          <a:bodyPr wrap="square" rtlCol="0">
-            <a:spAutoFit/>
-          </a:bodyPr>
-          <a:lstStyle/>
-          <a:p>
-            <a:r>
-              <a:rPr lang="en-US" altLang="zh-TW" sz="2400" dirty="0"/>
-              <a:t>Reward</a:t>
-            </a:r>
-            <a:endParaRPr lang="zh-TW" altLang="en-US" sz="2400" dirty="0"/>
-          </a:p>
-        </p:txBody>
-      </p:sp>
-      <p:sp>
-        <p:nvSpPr>
-          <p:cNvPr id="17" name="圓角矩形圖說文字 16"/>
-          <p:cNvSpPr/>
-          <p:nvPr/>
-        </p:nvSpPr>
-        <p:spPr>
-          <a:xfrm>
-            <a:off x="2685143" y="4533421"/>
-            <a:ext cx="1810438" cy="786777"/>
-          </a:xfrm>
-          <a:prstGeom prst="wedgeRoundRectCallout">
-            <a:avLst>
-              <a:gd name="adj1" fmla="val 54527"/>
-              <a:gd name="adj2" fmla="val 117843"/>
-              <a:gd name="adj3" fmla="val 16667"/>
-            </a:avLst>
-          </a:prstGeom>
-        </p:spPr>
-        <p:style>
-          <a:lnRef idx="2">
-            <a:schemeClr val="accent5">
-              <a:shade val="50000"/>
-            </a:schemeClr>
-          </a:lnRef>
-          <a:fillRef idx="1">
-            <a:schemeClr val="accent5"/>
-          </a:fillRef>
-          <a:effectRef idx="0">
-            <a:schemeClr val="accent5"/>
-          </a:effectRef>
-          <a:fontRef idx="minor">
-            <a:schemeClr val="lt1"/>
-          </a:fontRef>
-        </p:style>
-        <p:txBody>
-          <a:bodyPr rtlCol="0" anchor="ctr"/>
-          <a:lstStyle/>
-          <a:p>
-            <a:pPr algn="ctr"/>
-            <a:r>
-              <a:rPr lang="en-US" altLang="zh-TW" sz="2400" dirty="0"/>
-              <a:t>Thank you.</a:t>
-            </a:r>
-            <a:endParaRPr lang="zh-TW" altLang="en-US" sz="2400" dirty="0"/>
-          </a:p>
-        </p:txBody>
-      </p:sp>
-      <p:sp>
-        <p:nvSpPr>
-          <p:cNvPr id="3" name="文字方塊 2"/>
-          <p:cNvSpPr txBox="1"/>
-          <p:nvPr/>
-        </p:nvSpPr>
-        <p:spPr>
-          <a:xfrm>
-            <a:off x="4464819" y="1125984"/>
-            <a:ext cx="4050531" cy="830997"/>
-          </a:xfrm>
-          <a:prstGeom prst="rect">
-            <a:avLst/>
-          </a:prstGeom>
-        </p:spPr>
-        <p:style>
-          <a:lnRef idx="0">
-            <a:schemeClr val="accent5"/>
-          </a:lnRef>
-          <a:fillRef idx="3">
-            <a:schemeClr val="accent5"/>
-          </a:fillRef>
-          <a:effectRef idx="3">
-            <a:schemeClr val="accent5"/>
-          </a:effectRef>
-          <a:fontRef idx="minor">
-            <a:schemeClr val="lt1"/>
-          </a:fontRef>
-        </p:style>
-        <p:txBody>
-          <a:bodyPr wrap="square" rtlCol="0">
-            <a:spAutoFit/>
-          </a:bodyPr>
-          <a:lstStyle/>
-          <a:p>
-            <a:r>
-              <a:rPr lang="en-US" altLang="zh-TW" sz="2400" dirty="0"/>
-              <a:t>Agent learns to take actions to maximize expected reward. </a:t>
-            </a:r>
-            <a:endParaRPr lang="zh-TW" altLang="en-US" sz="2400" dirty="0"/>
-          </a:p>
-        </p:txBody>
-      </p:sp>
-      <p:sp>
-        <p:nvSpPr>
-          <p:cNvPr id="6" name="矩形 5"/>
-          <p:cNvSpPr/>
-          <p:nvPr/>
-        </p:nvSpPr>
-        <p:spPr>
-          <a:xfrm>
-            <a:off x="81983" y="6114760"/>
-            <a:ext cx="2603160" cy="646331"/>
-          </a:xfrm>
-          <a:prstGeom prst="rect">
-            <a:avLst/>
-          </a:prstGeom>
-        </p:spPr>
-        <p:txBody>
-          <a:bodyPr wrap="square">
-            <a:spAutoFit/>
-          </a:bodyPr>
-          <a:lstStyle/>
-          <a:p>
-            <a:r>
-              <a:rPr lang="en-US" altLang="zh-TW" dirty="0"/>
-              <a:t>https://yoast.com/how-to-clean-site-structure/</a:t>
-            </a:r>
-            <a:endParaRPr lang="zh-TW" altLang="en-US" dirty="0"/>
-          </a:p>
-        </p:txBody>
-      </p:sp>
-      <p:sp>
-        <p:nvSpPr>
-          <p:cNvPr id="25" name="文字方塊 24"/>
-          <p:cNvSpPr txBox="1"/>
-          <p:nvPr/>
-        </p:nvSpPr>
-        <p:spPr>
-          <a:xfrm>
-            <a:off x="2485580" y="2464046"/>
-            <a:ext cx="1075716" cy="523220"/>
-          </a:xfrm>
-          <a:prstGeom prst="rect">
-            <a:avLst/>
-          </a:prstGeom>
-          <a:noFill/>
-        </p:spPr>
-        <p:txBody>
-          <a:bodyPr wrap="square" rtlCol="0">
-            <a:spAutoFit/>
-          </a:bodyPr>
-          <a:lstStyle/>
-          <a:p>
-            <a:pPr algn="ctr"/>
-            <a:r>
-              <a:rPr lang="en-US" altLang="zh-TW" sz="2800" dirty="0">
-                <a:solidFill>
-                  <a:srgbClr val="FF0000"/>
-                </a:solidFill>
-              </a:rPr>
-              <a:t>State</a:t>
-            </a:r>
-            <a:endParaRPr lang="zh-TW" altLang="en-US" sz="2800" dirty="0">
-              <a:solidFill>
-                <a:srgbClr val="FF0000"/>
-              </a:solidFill>
-            </a:endParaRPr>
-          </a:p>
-        </p:txBody>
-      </p:sp>
-      <p:sp>
-        <p:nvSpPr>
-          <p:cNvPr id="26" name="文字方塊 25"/>
-          <p:cNvSpPr txBox="1"/>
-          <p:nvPr/>
-        </p:nvSpPr>
-        <p:spPr>
-          <a:xfrm>
-            <a:off x="5484517" y="2002728"/>
-            <a:ext cx="1334944" cy="461665"/>
-          </a:xfrm>
-          <a:prstGeom prst="rect">
-            <a:avLst/>
-          </a:prstGeom>
-          <a:noFill/>
-        </p:spPr>
-        <p:txBody>
-          <a:bodyPr wrap="square" rtlCol="0">
-            <a:spAutoFit/>
-          </a:bodyPr>
-          <a:lstStyle/>
-          <a:p>
-            <a:pPr algn="ctr"/>
-            <a:r>
-              <a:rPr lang="en-US" altLang="zh-TW" sz="2400" dirty="0"/>
-              <a:t>Action</a:t>
-            </a:r>
-            <a:endParaRPr lang="zh-TW" altLang="en-US" sz="2400" dirty="0"/>
-          </a:p>
-        </p:txBody>
-      </p:sp>
-      <p:sp>
-        <p:nvSpPr>
-          <p:cNvPr id="27" name="文字方塊 26"/>
-          <p:cNvSpPr txBox="1"/>
-          <p:nvPr/>
-        </p:nvSpPr>
-        <p:spPr>
-          <a:xfrm>
-            <a:off x="5316035" y="2464046"/>
-            <a:ext cx="1861725" cy="830997"/>
-          </a:xfrm>
-          <a:prstGeom prst="rect">
-            <a:avLst/>
-          </a:prstGeom>
-          <a:noFill/>
-        </p:spPr>
-        <p:txBody>
-          <a:bodyPr wrap="square" rtlCol="0">
-            <a:spAutoFit/>
-          </a:bodyPr>
-          <a:lstStyle/>
-          <a:p>
-            <a:r>
-              <a:rPr lang="en-US" altLang="zh-TW" sz="2400" dirty="0">
-                <a:solidFill>
-                  <a:srgbClr val="0000FF"/>
-                </a:solidFill>
-              </a:rPr>
-              <a:t>Change the environment</a:t>
-            </a:r>
-            <a:endParaRPr lang="zh-TW" altLang="en-US" sz="2400" dirty="0">
-              <a:solidFill>
-                <a:srgbClr val="0000FF"/>
-              </a:solidFill>
-            </a:endParaRPr>
-          </a:p>
-        </p:txBody>
-      </p:sp>
-      <p:pic>
-        <p:nvPicPr>
-          <p:cNvPr id="28" name="Picture 6" descr="http://static.flickr.com/6101/6305382526_f4c4c0c613.jpg"/>
-          <p:cNvPicPr>
-            <a:picLocks noChangeAspect="1" noChangeArrowheads="1"/>
-          </p:cNvPicPr>
-          <p:nvPr/>
-        </p:nvPicPr>
-        <p:blipFill>
-          <a:blip r:embed="rId4" cstate="print">
-            <a:extLst>
-              <a:ext uri="{28A0092B-C50C-407E-A947-70E740481C1C}">
-                <a14:useLocalDpi xmlns:a14="http://schemas.microsoft.com/office/drawing/2010/main" val="0"/>
-              </a:ext>
-            </a:extLst>
-          </a:blip>
-          <a:srcRect/>
-          <a:stretch>
-            <a:fillRect/>
-          </a:stretch>
-        </p:blipFill>
-        <p:spPr bwMode="auto">
-          <a:xfrm>
-            <a:off x="510631" y="3466758"/>
-            <a:ext cx="1916776" cy="1271331"/>
-          </a:xfrm>
-          <a:prstGeom prst="rect">
-            <a:avLst/>
-          </a:prstGeom>
-          <a:noFill/>
-          <a:extLst>
-            <a:ext uri="{909E8E84-426E-40DD-AFC4-6F175D3DCCD1}">
-              <a14:hiddenFill xmlns:a14="http://schemas.microsoft.com/office/drawing/2010/main">
-                <a:solidFill>
-                  <a:srgbClr val="FFFFFF"/>
-                </a:solidFill>
-              </a14:hiddenFill>
-            </a:ext>
-          </a:extLst>
-        </p:spPr>
-      </p:pic>
-      <p:pic>
-        <p:nvPicPr>
-          <p:cNvPr id="2050" name="Picture 2" descr="「clean up」的圖片搜尋結果"/>
-          <p:cNvPicPr>
-            <a:picLocks noChangeAspect="1" noChangeArrowheads="1"/>
-          </p:cNvPicPr>
-          <p:nvPr/>
-        </p:nvPicPr>
-        <p:blipFill>
-          <a:blip r:embed="rId5" cstate="print">
-            <a:extLst>
-              <a:ext uri="{28A0092B-C50C-407E-A947-70E740481C1C}">
-                <a14:useLocalDpi xmlns:a14="http://schemas.microsoft.com/office/drawing/2010/main" val="0"/>
-              </a:ext>
-            </a:extLst>
-          </a:blip>
-          <a:srcRect/>
-          <a:stretch>
-            <a:fillRect/>
-          </a:stretch>
-        </p:blipFill>
-        <p:spPr bwMode="auto">
-          <a:xfrm>
-            <a:off x="6032890" y="3269778"/>
-            <a:ext cx="2923070" cy="1529537"/>
-          </a:xfrm>
-          <a:prstGeom prst="rect">
-            <a:avLst/>
-          </a:prstGeom>
-          <a:noFill/>
-          <a:extLst>
-            <a:ext uri="{909E8E84-426E-40DD-AFC4-6F175D3DCCD1}">
-              <a14:hiddenFill xmlns:a14="http://schemas.microsoft.com/office/drawing/2010/main">
-                <a:solidFill>
-                  <a:srgbClr val="FFFFFF"/>
-                </a:solidFill>
-              </a14:hiddenFill>
-            </a:ext>
-          </a:extLst>
-        </p:spPr>
-      </p:pic>
-    </p:spTree>
-    <p:extLst>
-      <p:ext uri="{BB962C8B-B14F-4D97-AF65-F5344CB8AC3E}">
-        <p14:creationId xmlns:p14="http://schemas.microsoft.com/office/powerpoint/2010/main" val="3797402150"/>
-      </p:ext>
-    </p:extLst>
-  </p:cSld>
-  <p:clrMapOvr>
-    <a:masterClrMapping/>
-  </p:clrMapOvr>
-  <mc:AlternateContent xmlns:mc="http://schemas.openxmlformats.org/markup-compatibility/2006" xmlns:p14="http://schemas.microsoft.com/office/powerpoint/2010/main">
-    <mc:Choice Requires="p14">
-      <p:transition spd="slow" p14:dur="2000">
-        <p:cut/>
-      </p:transition>
-    </mc:Choice>
-    <mc:Fallback xmlns="">
-      <p:transition spd="slow">
-        <p:cut/>
-      </p:transition>
-    </mc:Fallback>
-  </mc:AlternateContent>
-  <p:timing>
-    <p:tnLst>
-      <p:par>
-        <p:cTn id="1" dur="indefinite" restart="never" nodeType="tmRoot">
-          <p:childTnLst>
-            <p:seq concurrent="1" nextAc="seek">
-              <p:cTn id="2" dur="indefinite" nodeType="mainSeq">
-                <p:childTnLst>
-                  <p:par>
-                    <p:cTn id="3" fill="hold">
-                      <p:stCondLst>
-                        <p:cond delay="indefinite"/>
-                      </p:stCondLst>
-                      <p:childTnLst>
-                        <p:par>
-                          <p:cTn id="4" fill="hold">
-                            <p:stCondLst>
-                              <p:cond delay="0"/>
-                            </p:stCondLst>
-                            <p:childTnLst>
-                              <p:par>
-                                <p:cTn id="5" presetID="1" presetClass="entr" presetSubtype="0" fill="hold" nodeType="clickEffect">
-                                  <p:stCondLst>
-                                    <p:cond delay="0"/>
-                                  </p:stCondLst>
-                                  <p:childTnLst>
-                                    <p:set>
-                                      <p:cBhvr>
-                                        <p:cTn id="6" dur="1" fill="hold">
-                                          <p:stCondLst>
-                                            <p:cond delay="0"/>
-                                          </p:stCondLst>
-                                        </p:cTn>
-                                        <p:tgtEl>
-                                          <p:spTgt spid="28"/>
-                                        </p:tgtEl>
-                                        <p:attrNameLst>
-                                          <p:attrName>style.visibility</p:attrName>
-                                        </p:attrNameLst>
-                                      </p:cBhvr>
-                                      <p:to>
-                                        <p:strVal val="visible"/>
-                                      </p:to>
-                                    </p:set>
-                                  </p:childTnLst>
-                                </p:cTn>
-                              </p:par>
-                            </p:childTnLst>
-                          </p:cTn>
-                        </p:par>
-                      </p:childTnLst>
-                    </p:cTn>
-                  </p:par>
-                  <p:par>
-                    <p:cTn id="7" fill="hold">
-                      <p:stCondLst>
-                        <p:cond delay="indefinite"/>
-                      </p:stCondLst>
-                      <p:childTnLst>
-                        <p:par>
-                          <p:cTn id="8" fill="hold">
-                            <p:stCondLst>
-                              <p:cond delay="0"/>
-                            </p:stCondLst>
-                            <p:childTnLst>
-                              <p:par>
-                                <p:cTn id="9" presetID="1" presetClass="entr" presetSubtype="0" fill="hold" nodeType="clickEffect">
-                                  <p:stCondLst>
-                                    <p:cond delay="0"/>
-                                  </p:stCondLst>
-                                  <p:childTnLst>
-                                    <p:set>
-                                      <p:cBhvr>
-                                        <p:cTn id="10" dur="1" fill="hold">
-                                          <p:stCondLst>
-                                            <p:cond delay="0"/>
-                                          </p:stCondLst>
-                                        </p:cTn>
-                                        <p:tgtEl>
-                                          <p:spTgt spid="2050"/>
-                                        </p:tgtEl>
-                                        <p:attrNameLst>
-                                          <p:attrName>style.visibility</p:attrName>
-                                        </p:attrNameLst>
-                                      </p:cBhvr>
-                                      <p:to>
-                                        <p:strVal val="visible"/>
-                                      </p:to>
-                                    </p:set>
-                                  </p:childTnLst>
-                                </p:cTn>
-                              </p:par>
-                            </p:childTnLst>
-                          </p:cTn>
-                        </p:par>
-                      </p:childTnLst>
-                    </p:cTn>
-                  </p:par>
-                  <p:par>
-                    <p:cTn id="11" fill="hold">
-                      <p:stCondLst>
-                        <p:cond delay="indefinite"/>
-                      </p:stCondLst>
-                      <p:childTnLst>
-                        <p:par>
-                          <p:cTn id="12" fill="hold">
-                            <p:stCondLst>
-                              <p:cond delay="0"/>
-                            </p:stCondLst>
-                            <p:childTnLst>
-                              <p:par>
-                                <p:cTn id="13" presetID="1" presetClass="entr" presetSubtype="0" fill="hold" grpId="0" nodeType="clickEffect">
-                                  <p:stCondLst>
-                                    <p:cond delay="0"/>
-                                  </p:stCondLst>
-                                  <p:childTnLst>
-                                    <p:set>
-                                      <p:cBhvr>
-                                        <p:cTn id="14" dur="1" fill="hold">
-                                          <p:stCondLst>
-                                            <p:cond delay="0"/>
-                                          </p:stCondLst>
-                                        </p:cTn>
-                                        <p:tgtEl>
-                                          <p:spTgt spid="17"/>
-                                        </p:tgtEl>
-                                        <p:attrNameLst>
-                                          <p:attrName>style.visibility</p:attrName>
-                                        </p:attrNameLst>
-                                      </p:cBhvr>
-                                      <p:to>
-                                        <p:strVal val="visible"/>
-                                      </p:to>
-                                    </p:set>
-                                  </p:childTnLst>
-                                </p:cTn>
-                              </p:par>
-                            </p:childTnLst>
-                          </p:cTn>
-                        </p:par>
-                      </p:childTnLst>
-                    </p:cTn>
-                  </p:par>
-                  <p:par>
-                    <p:cTn id="15" fill="hold">
-                      <p:stCondLst>
-                        <p:cond delay="indefinite"/>
-                      </p:stCondLst>
-                      <p:childTnLst>
-                        <p:par>
-                          <p:cTn id="16" fill="hold">
-                            <p:stCondLst>
-                              <p:cond delay="0"/>
-                            </p:stCondLst>
-                            <p:childTnLst>
-                              <p:par>
-                                <p:cTn id="17" presetID="1" presetClass="entr" presetSubtype="0" fill="hold" grpId="0" nodeType="clickEffect">
-                                  <p:stCondLst>
-                                    <p:cond delay="0"/>
-                                  </p:stCondLst>
-                                  <p:childTnLst>
-                                    <p:set>
-                                      <p:cBhvr>
-                                        <p:cTn id="18" dur="1" fill="hold">
-                                          <p:stCondLst>
-                                            <p:cond delay="0"/>
-                                          </p:stCondLst>
-                                        </p:cTn>
-                                        <p:tgtEl>
-                                          <p:spTgt spid="3"/>
-                                        </p:tgtEl>
-                                        <p:attrNameLst>
-                                          <p:attrName>style.visibility</p:attrName>
-                                        </p:attrNameLst>
-                                      </p:cBhvr>
-                                      <p:to>
-                                        <p:strVal val="visible"/>
-                                      </p:to>
-                                    </p:set>
-                                  </p:childTnLst>
-                                </p:cTn>
-                              </p:par>
-                            </p:childTnLst>
-                          </p:cTn>
-                        </p:par>
-                      </p:childTnLst>
-                    </p:cTn>
-                  </p:par>
-                </p:childTnLst>
-              </p:cTn>
-              <p:prevCondLst>
-                <p:cond evt="onPrev" delay="0">
-                  <p:tgtEl>
-                    <p:sldTgt/>
-                  </p:tgtEl>
-                </p:cond>
-              </p:prevCondLst>
-              <p:nextCondLst>
-                <p:cond evt="onNext" delay="0">
-                  <p:tgtEl>
-                    <p:sldTgt/>
-                  </p:tgtEl>
-                </p:cond>
-              </p:nextCondLst>
-            </p:seq>
-          </p:childTnLst>
-        </p:cTn>
-      </p:par>
-    </p:tnLst>
-    <p:bldLst>
-      <p:bldP spid="17" grpId="0" animBg="1"/>
-      <p:bldP spid="3" grpId="0" animBg="1"/>
-    </p:bldLst>
-  </p:timing>
-</p:sld>
-</file>
-
 <file path=ppt/slides/slide2.xml><?xml version="1.0" encoding="utf-8"?>
 <p:sld xmlns:a="http://schemas.openxmlformats.org/drawingml/2006/main" xmlns:r="http://schemas.openxmlformats.org/officeDocument/2006/relationships" xmlns:p="http://schemas.openxmlformats.org/presentationml/2006/main">
   <p:cSld>
@@ -6202,11 +3532,7 @@
           <a:p>
             <a:r>
               <a:rPr lang="en-US" dirty="0" smtClean="0"/>
-              <a:t>Linear </a:t>
-            </a:r>
-            <a:r>
-              <a:rPr lang="en-US" dirty="0" smtClean="0"/>
-              <a:t>Regression </a:t>
+              <a:t>Linear Regression </a:t>
             </a:r>
           </a:p>
           <a:p>
@@ -6976,25 +4302,6 @@
       </p:grpSpPr>
       <p:sp>
         <p:nvSpPr>
-          <p:cNvPr id="2" name="Title 1"/>
-          <p:cNvSpPr>
-            <a:spLocks noGrp="1"/>
-          </p:cNvSpPr>
-          <p:nvPr>
-            <p:ph type="title"/>
-          </p:nvPr>
-        </p:nvSpPr>
-        <p:spPr/>
-        <p:txBody>
-          <a:bodyPr/>
-          <a:lstStyle/>
-          <a:p>
-            <a:endParaRPr lang="en-MY"/>
-          </a:p>
-        </p:txBody>
-      </p:sp>
-      <p:sp>
-        <p:nvSpPr>
           <p:cNvPr id="3" name="Content Placeholder 2"/>
           <p:cNvSpPr>
             <a:spLocks noGrp="1"/>
@@ -7003,10 +4310,15 @@
             <p:ph idx="1"/>
           </p:nvPr>
         </p:nvSpPr>
-        <p:spPr/>
+        <p:spPr>
+          <a:xfrm>
+            <a:off x="457200" y="304800"/>
+            <a:ext cx="8229600" cy="5821363"/>
+          </a:xfrm>
+        </p:spPr>
         <p:txBody>
           <a:bodyPr>
-            <a:normAutofit fontScale="85000" lnSpcReduction="10000"/>
+            <a:normAutofit fontScale="92500" lnSpcReduction="10000"/>
           </a:bodyPr>
           <a:lstStyle/>
           <a:p>
@@ -7162,7 +4474,7 @@
               <a:t>model.layers</a:t>
             </a:r>
             <a:r>
-              <a:rPr lang="en-US" smtClean="0"/>
+              <a:rPr lang="en-US" dirty="0" smtClean="0"/>
               <a:t>[1].</a:t>
             </a:r>
             <a:r>
